--- a/SE2021-G013-项目计划书/选题ppt.pptx
+++ b/SE2021-G013-项目计划书/选题ppt.pptx
@@ -246,7 +246,7 @@
             <a:fld id="{EFC10EE1-B198-C942-8235-326C972CBB30}" type="datetimeFigureOut">
               <a:rPr lang="en-US" smtClean="0"/>
               <a:pPr/>
-              <a:t>9/26/2021</a:t>
+              <a:t>12/14/2021</a:t>
             </a:fld>
             <a:endParaRPr lang="en-US" dirty="0"/>
           </a:p>
@@ -9877,7 +9877,7 @@
                 <a:ea typeface="文鼎细圆繁" panose="02010609010101010101" pitchFamily="49" charset="-122"/>
                 <a:cs typeface="Lato" charset="0"/>
               </a:rPr>
-              <a:t>软件工程选题</a:t>
+              <a:t>项目演示</a:t>
             </a:r>
             <a:r>
               <a:rPr lang="en-US" altLang="zh-CN" sz="11500" b="1" dirty="0">
@@ -9888,7 +9888,7 @@
                 <a:ea typeface="文鼎细圆繁" panose="02010609010101010101" pitchFamily="49" charset="-122"/>
                 <a:cs typeface="Lato" charset="0"/>
               </a:rPr>
-              <a:t>—sky dream</a:t>
+              <a:t>—Music Dream</a:t>
             </a:r>
             <a:endParaRPr lang="en-US" sz="11500" b="1" dirty="0">
               <a:solidFill>
@@ -10021,220 +10021,6 @@
           </p:txBody>
         </p:sp>
       </p:grpSp>
-      <p:sp>
-        <p:nvSpPr>
-          <p:cNvPr id="15" name="TextBox 43"/>
-          <p:cNvSpPr txBox="1"/>
-          <p:nvPr/>
-        </p:nvSpPr>
-        <p:spPr>
-          <a:xfrm>
-            <a:off x="9399747" y="5159661"/>
-            <a:ext cx="5628978" cy="521374"/>
-          </a:xfrm>
-          <a:prstGeom prst="rect">
-            <a:avLst/>
-          </a:prstGeom>
-          <a:noFill/>
-        </p:spPr>
-        <p:txBody>
-          <a:bodyPr wrap="none" rtlCol="0" anchor="ctr" anchorCtr="0">
-            <a:spAutoFit/>
-          </a:bodyPr>
-          <a:lstStyle/>
-          <a:p>
-            <a:pPr algn="ctr"/>
-            <a:r>
-              <a:rPr lang="en-US" sz="2200" dirty="0">
-                <a:solidFill>
-                  <a:schemeClr val="bg1"/>
-                </a:solidFill>
-                <a:latin typeface="Lato Light" charset="0"/>
-                <a:ea typeface="Lato Light" charset="0"/>
-                <a:cs typeface="Lato Light" charset="0"/>
-              </a:rPr>
-              <a:t>Modern and Minimal Presentation Template</a:t>
-            </a:r>
-          </a:p>
-        </p:txBody>
-      </p:sp>
-      <p:sp>
-        <p:nvSpPr>
-          <p:cNvPr id="17" name="Rectangle 8"/>
-          <p:cNvSpPr>
-            <a:spLocks noChangeArrowheads="1"/>
-          </p:cNvSpPr>
-          <p:nvPr/>
-        </p:nvSpPr>
-        <p:spPr bwMode="auto">
-          <a:xfrm>
-            <a:off x="4534278" y="7992861"/>
-            <a:ext cx="15309089" cy="1246495"/>
-          </a:xfrm>
-          <a:prstGeom prst="rect">
-            <a:avLst/>
-          </a:prstGeom>
-          <a:noFill/>
-          <a:ln>
-            <a:noFill/>
-          </a:ln>
-          <a:extLst>
-            <a:ext uri="{909E8E84-426E-40DD-AFC4-6F175D3DCCD1}">
-              <a14:hiddenFill xmlns:a14="http://schemas.microsoft.com/office/drawing/2010/main">
-                <a:solidFill>
-                  <a:srgbClr val="FFFFFF"/>
-                </a:solidFill>
-              </a14:hiddenFill>
-            </a:ext>
-            <a:ext uri="{91240B29-F687-4F45-9708-019B960494DF}">
-              <a14:hiddenLine xmlns:a14="http://schemas.microsoft.com/office/drawing/2010/main" w="9525">
-                <a:solidFill>
-                  <a:srgbClr val="000000"/>
-                </a:solidFill>
-                <a:miter lim="800000"/>
-                <a:headEnd/>
-                <a:tailEnd/>
-              </a14:hiddenLine>
-            </a:ext>
-          </a:extLst>
-        </p:spPr>
-        <p:txBody>
-          <a:bodyPr wrap="square" lIns="0" tIns="0" rIns="0" bIns="0">
-            <a:spAutoFit/>
-          </a:bodyPr>
-          <a:lstStyle>
-            <a:lvl1pPr>
-              <a:defRPr>
-                <a:solidFill>
-                  <a:schemeClr val="tx1"/>
-                </a:solidFill>
-                <a:latin typeface="Calibri" panose="020F0502020204030204" pitchFamily="34" charset="0"/>
-              </a:defRPr>
-            </a:lvl1pPr>
-            <a:lvl2pPr marL="742950" indent="-285750">
-              <a:defRPr>
-                <a:solidFill>
-                  <a:schemeClr val="tx1"/>
-                </a:solidFill>
-                <a:latin typeface="Calibri" panose="020F0502020204030204" pitchFamily="34" charset="0"/>
-              </a:defRPr>
-            </a:lvl2pPr>
-            <a:lvl3pPr marL="1143000" indent="-228600">
-              <a:defRPr>
-                <a:solidFill>
-                  <a:schemeClr val="tx1"/>
-                </a:solidFill>
-                <a:latin typeface="Calibri" panose="020F0502020204030204" pitchFamily="34" charset="0"/>
-              </a:defRPr>
-            </a:lvl3pPr>
-            <a:lvl4pPr marL="1600200" indent="-228600">
-              <a:defRPr>
-                <a:solidFill>
-                  <a:schemeClr val="tx1"/>
-                </a:solidFill>
-                <a:latin typeface="Calibri" panose="020F0502020204030204" pitchFamily="34" charset="0"/>
-              </a:defRPr>
-            </a:lvl4pPr>
-            <a:lvl5pPr marL="2057400" indent="-228600">
-              <a:defRPr>
-                <a:solidFill>
-                  <a:schemeClr val="tx1"/>
-                </a:solidFill>
-                <a:latin typeface="Calibri" panose="020F0502020204030204" pitchFamily="34" charset="0"/>
-              </a:defRPr>
-            </a:lvl5pPr>
-            <a:lvl6pPr marL="2514600" indent="-228600" fontAlgn="base">
-              <a:spcBef>
-                <a:spcPct val="0"/>
-              </a:spcBef>
-              <a:spcAft>
-                <a:spcPct val="0"/>
-              </a:spcAft>
-              <a:defRPr>
-                <a:solidFill>
-                  <a:schemeClr val="tx1"/>
-                </a:solidFill>
-                <a:latin typeface="Calibri" panose="020F0502020204030204" pitchFamily="34" charset="0"/>
-              </a:defRPr>
-            </a:lvl6pPr>
-            <a:lvl7pPr marL="2971800" indent="-228600" fontAlgn="base">
-              <a:spcBef>
-                <a:spcPct val="0"/>
-              </a:spcBef>
-              <a:spcAft>
-                <a:spcPct val="0"/>
-              </a:spcAft>
-              <a:defRPr>
-                <a:solidFill>
-                  <a:schemeClr val="tx1"/>
-                </a:solidFill>
-                <a:latin typeface="Calibri" panose="020F0502020204030204" pitchFamily="34" charset="0"/>
-              </a:defRPr>
-            </a:lvl7pPr>
-            <a:lvl8pPr marL="3429000" indent="-228600" fontAlgn="base">
-              <a:spcBef>
-                <a:spcPct val="0"/>
-              </a:spcBef>
-              <a:spcAft>
-                <a:spcPct val="0"/>
-              </a:spcAft>
-              <a:defRPr>
-                <a:solidFill>
-                  <a:schemeClr val="tx1"/>
-                </a:solidFill>
-                <a:latin typeface="Calibri" panose="020F0502020204030204" pitchFamily="34" charset="0"/>
-              </a:defRPr>
-            </a:lvl8pPr>
-            <a:lvl9pPr marL="3886200" indent="-228600" fontAlgn="base">
-              <a:spcBef>
-                <a:spcPct val="0"/>
-              </a:spcBef>
-              <a:spcAft>
-                <a:spcPct val="0"/>
-              </a:spcAft>
-              <a:defRPr>
-                <a:solidFill>
-                  <a:schemeClr val="tx1"/>
-                </a:solidFill>
-                <a:latin typeface="Calibri" panose="020F0502020204030204" pitchFamily="34" charset="0"/>
-              </a:defRPr>
-            </a:lvl9pPr>
-          </a:lstStyle>
-          <a:p>
-            <a:pPr algn="ctr">
-              <a:lnSpc>
-                <a:spcPct val="150000"/>
-              </a:lnSpc>
-            </a:pPr>
-            <a:r>
-              <a:rPr lang="ja-JP" altLang="en-US" sz="1800" dirty="0">
-                <a:solidFill>
-                  <a:schemeClr val="bg1"/>
-                </a:solidFill>
-                <a:latin typeface="Lato Medium" panose="020F0502020204030203" pitchFamily="34" charset="0"/>
-                <a:ea typeface="Lato Medium" panose="020F0502020204030203" pitchFamily="34" charset="0"/>
-                <a:cs typeface="Lato Medium" panose="020F0502020204030203" pitchFamily="34" charset="0"/>
-              </a:rPr>
-              <a:t>花が咲いているので、横に振って落ちたいです。 このすべてのことは、こんなに早く老けている。 世の中はずっと攘慎している花が咲いているので、横に振って落ちたいです。 このすべてのことは、こんなに早く老けている。 世の中はずっと攘慎している</a:t>
-            </a:r>
-          </a:p>
-          <a:p>
-            <a:pPr algn="ctr">
-              <a:lnSpc>
-                <a:spcPct val="150000"/>
-              </a:lnSpc>
-            </a:pPr>
-            <a:endParaRPr lang="ja-JP" altLang="en-US" sz="1800" dirty="0">
-              <a:solidFill>
-                <a:schemeClr val="bg1"/>
-              </a:solidFill>
-              <a:latin typeface="Lato Medium" panose="020F0502020204030203" pitchFamily="34" charset="0"/>
-              <a:ea typeface="Lato Medium" panose="020F0502020204030203" pitchFamily="34" charset="0"/>
-              <a:cs typeface="Lato Medium" panose="020F0502020204030203" pitchFamily="34" charset="0"/>
-            </a:endParaRPr>
-          </a:p>
-        </p:txBody>
-      </p:sp>
       <p:grpSp>
         <p:nvGrpSpPr>
           <p:cNvPr id="18" name="组合 17"/>
@@ -10432,8 +10218,8 @@
           </p:nvSpPr>
           <p:spPr>
             <a:xfrm>
-              <a:off x="19747541" y="11242460"/>
-              <a:ext cx="3075732" cy="461665"/>
+              <a:off x="19659963" y="11242460"/>
+              <a:ext cx="3250888" cy="461665"/>
             </a:xfrm>
             <a:prstGeom prst="rect">
               <a:avLst/>
@@ -10467,7 +10253,7 @@
                   <a:ea typeface="等线" panose="02010600030101010101" pitchFamily="2" charset="-122"/>
                   <a:cs typeface="Poppins SemiBold" charset="0"/>
                 </a:rPr>
-                <a:t>2021.9</a:t>
+                <a:t>2021.12</a:t>
               </a:r>
               <a:endParaRPr lang="en-US" sz="2400" b="1" dirty="0">
                 <a:solidFill>
@@ -10481,6 +10267,50 @@
           </p:txBody>
         </p:sp>
       </p:grpSp>
+      <p:pic>
+        <p:nvPicPr>
+          <p:cNvPr id="16" name="图片 15">
+            <a:extLst>
+              <a:ext uri="{FF2B5EF4-FFF2-40B4-BE49-F238E27FC236}">
+                <a16:creationId xmlns:a16="http://schemas.microsoft.com/office/drawing/2014/main" id="{EE8CABB1-4395-4EED-9F9C-ED93E835E65D}"/>
+              </a:ext>
+            </a:extLst>
+          </p:cNvPr>
+          <p:cNvPicPr>
+            <a:picLocks noChangeAspect="1"/>
+          </p:cNvPicPr>
+          <p:nvPr/>
+        </p:nvPicPr>
+        <p:blipFill rotWithShape="1">
+          <a:blip r:embed="rId4">
+            <a:extLst>
+              <a:ext uri="{28A0092B-C50C-407E-A947-70E740481C1C}">
+                <a14:useLocalDpi xmlns:a14="http://schemas.microsoft.com/office/drawing/2010/main" val="0"/>
+              </a:ext>
+            </a:extLst>
+          </a:blip>
+          <a:srcRect l="29003" t="24402" r="25988" b="36690"/>
+          <a:stretch/>
+        </p:blipFill>
+        <p:spPr bwMode="auto">
+          <a:xfrm>
+            <a:off x="10581291" y="2210080"/>
+            <a:ext cx="2947035" cy="2547620"/>
+          </a:xfrm>
+          <a:prstGeom prst="rect">
+            <a:avLst/>
+          </a:prstGeom>
+          <a:noFill/>
+          <a:ln>
+            <a:noFill/>
+          </a:ln>
+          <a:extLst>
+            <a:ext uri="{53640926-AAD7-44D8-BBD7-CCE9431645EC}">
+              <a14:shadowObscured xmlns:a14="http://schemas.microsoft.com/office/drawing/2010/main"/>
+            </a:ext>
+          </a:extLst>
+        </p:spPr>
+      </p:pic>
     </p:spTree>
     <p:extLst>
       <p:ext uri="{BB962C8B-B14F-4D97-AF65-F5344CB8AC3E}">
@@ -10630,7 +10460,7 @@
                                           </p:stCondLst>
                                         </p:cTn>
                                         <p:tgtEl>
-                                          <p:spTgt spid="15"/>
+                                          <p:spTgt spid="6"/>
                                         </p:tgtEl>
                                         <p:attrNameLst>
                                           <p:attrName>style.visibility</p:attrName>
@@ -10642,9 +10472,9 @@
                                     </p:set>
                                     <p:animEffect transition="in" filter="barn(inVertical)">
                                       <p:cBhvr>
-                                        <p:cTn id="13" dur="500"/>
+                                        <p:cTn id="13" dur="750"/>
                                         <p:tgtEl>
-                                          <p:spTgt spid="15"/>
+                                          <p:spTgt spid="6"/>
                                         </p:tgtEl>
                                       </p:cBhvr>
                                     </p:animEffect>
@@ -10657,11 +10487,11 @@
                         <p:par>
                           <p:cTn id="14" fill="hold">
                             <p:stCondLst>
-                              <p:cond delay="1250"/>
+                              <p:cond delay="1500"/>
                             </p:stCondLst>
                             <p:childTnLst>
                               <p:par>
-                                <p:cTn id="15" presetID="16" presetClass="entr" presetSubtype="21" fill="hold" grpId="0" nodeType="afterEffect">
+                                <p:cTn id="15" presetID="14" presetClass="entr" presetSubtype="10" fill="hold" nodeType="afterEffect">
                                   <p:stCondLst>
                                     <p:cond delay="0"/>
                                   </p:stCondLst>
@@ -10669,94 +10499,6 @@
                                     <p:set>
                                       <p:cBhvr>
                                         <p:cTn id="16" dur="1" fill="hold">
-                                          <p:stCondLst>
-                                            <p:cond delay="0"/>
-                                          </p:stCondLst>
-                                        </p:cTn>
-                                        <p:tgtEl>
-                                          <p:spTgt spid="6"/>
-                                        </p:tgtEl>
-                                        <p:attrNameLst>
-                                          <p:attrName>style.visibility</p:attrName>
-                                        </p:attrNameLst>
-                                      </p:cBhvr>
-                                      <p:to>
-                                        <p:strVal val="visible"/>
-                                      </p:to>
-                                    </p:set>
-                                    <p:animEffect transition="in" filter="barn(inVertical)">
-                                      <p:cBhvr>
-                                        <p:cTn id="17" dur="750"/>
-                                        <p:tgtEl>
-                                          <p:spTgt spid="6"/>
-                                        </p:tgtEl>
-                                      </p:cBhvr>
-                                    </p:animEffect>
-                                  </p:childTnLst>
-                                </p:cTn>
-                              </p:par>
-                            </p:childTnLst>
-                          </p:cTn>
-                        </p:par>
-                        <p:par>
-                          <p:cTn id="18" fill="hold">
-                            <p:stCondLst>
-                              <p:cond delay="2000"/>
-                            </p:stCondLst>
-                            <p:childTnLst>
-                              <p:par>
-                                <p:cTn id="19" presetID="16" presetClass="entr" presetSubtype="21" fill="hold" grpId="0" nodeType="afterEffect">
-                                  <p:stCondLst>
-                                    <p:cond delay="0"/>
-                                  </p:stCondLst>
-                                  <p:childTnLst>
-                                    <p:set>
-                                      <p:cBhvr>
-                                        <p:cTn id="20" dur="1" fill="hold">
-                                          <p:stCondLst>
-                                            <p:cond delay="0"/>
-                                          </p:stCondLst>
-                                        </p:cTn>
-                                        <p:tgtEl>
-                                          <p:spTgt spid="17"/>
-                                        </p:tgtEl>
-                                        <p:attrNameLst>
-                                          <p:attrName>style.visibility</p:attrName>
-                                        </p:attrNameLst>
-                                      </p:cBhvr>
-                                      <p:to>
-                                        <p:strVal val="visible"/>
-                                      </p:to>
-                                    </p:set>
-                                    <p:animEffect transition="in" filter="barn(inVertical)">
-                                      <p:cBhvr>
-                                        <p:cTn id="21" dur="750"/>
-                                        <p:tgtEl>
-                                          <p:spTgt spid="17"/>
-                                        </p:tgtEl>
-                                      </p:cBhvr>
-                                    </p:animEffect>
-                                  </p:childTnLst>
-                                </p:cTn>
-                              </p:par>
-                            </p:childTnLst>
-                          </p:cTn>
-                        </p:par>
-                        <p:par>
-                          <p:cTn id="22" fill="hold">
-                            <p:stCondLst>
-                              <p:cond delay="2750"/>
-                            </p:stCondLst>
-                            <p:childTnLst>
-                              <p:par>
-                                <p:cTn id="23" presetID="14" presetClass="entr" presetSubtype="10" fill="hold" nodeType="afterEffect">
-                                  <p:stCondLst>
-                                    <p:cond delay="0"/>
-                                  </p:stCondLst>
-                                  <p:childTnLst>
-                                    <p:set>
-                                      <p:cBhvr>
-                                        <p:cTn id="24" dur="1" fill="hold">
                                           <p:stCondLst>
                                             <p:cond delay="0"/>
                                           </p:stCondLst>
@@ -10774,7 +10516,7 @@
                                     </p:set>
                                     <p:animEffect transition="in" filter="randombar(horizontal)">
                                       <p:cBhvr>
-                                        <p:cTn id="25" dur="500"/>
+                                        <p:cTn id="17" dur="500"/>
                                         <p:tgtEl>
                                           <p:spTgt spid="18"/>
                                         </p:tgtEl>
@@ -10787,20 +10529,20 @@
                           </p:cTn>
                         </p:par>
                         <p:par>
-                          <p:cTn id="26" fill="hold">
+                          <p:cTn id="18" fill="hold">
                             <p:stCondLst>
-                              <p:cond delay="3250"/>
+                              <p:cond delay="2000"/>
                             </p:stCondLst>
                             <p:childTnLst>
                               <p:par>
-                                <p:cTn id="27" presetID="14" presetClass="entr" presetSubtype="10" fill="hold" nodeType="afterEffect">
+                                <p:cTn id="19" presetID="14" presetClass="entr" presetSubtype="10" fill="hold" nodeType="afterEffect">
                                   <p:stCondLst>
                                     <p:cond delay="0"/>
                                   </p:stCondLst>
                                   <p:childTnLst>
                                     <p:set>
                                       <p:cBhvr>
-                                        <p:cTn id="28" dur="1" fill="hold">
+                                        <p:cTn id="20" dur="1" fill="hold">
                                           <p:stCondLst>
                                             <p:cond delay="0"/>
                                           </p:stCondLst>
@@ -10818,7 +10560,7 @@
                                     </p:set>
                                     <p:animEffect transition="in" filter="randombar(horizontal)">
                                       <p:cBhvr>
-                                        <p:cTn id="29" dur="500"/>
+                                        <p:cTn id="21" dur="500"/>
                                         <p:tgtEl>
                                           <p:spTgt spid="25"/>
                                         </p:tgtEl>
@@ -10856,8 +10598,6 @@
     </p:tnLst>
     <p:bldLst>
       <p:bldP spid="6" grpId="0"/>
-      <p:bldP spid="15" grpId="0"/>
-      <p:bldP spid="17" grpId="0"/>
     </p:bldLst>
   </p:timing>
 </p:sld>
@@ -14208,7 +13948,7 @@
           <a:lstStyle/>
           <a:p>
             <a:pPr algn="ctr"/>
-            <a:endParaRPr lang="en-US"/>
+            <a:endParaRPr lang="en-US" dirty="0"/>
           </a:p>
         </p:txBody>
       </p:sp>
@@ -14357,179 +14097,6 @@
       </p:sp>
       <p:sp>
         <p:nvSpPr>
-          <p:cNvPr id="20" name="文本框 19">
-            <a:hlinkClick r:id="rId4"/>
-            <a:extLst>
-              <a:ext uri="{FF2B5EF4-FFF2-40B4-BE49-F238E27FC236}">
-                <a16:creationId xmlns:a16="http://schemas.microsoft.com/office/drawing/2014/main" id="{E98F0793-FB0F-4999-94B9-4BEF9F11D4DE}"/>
-              </a:ext>
-            </a:extLst>
-          </p:cNvPr>
-          <p:cNvSpPr txBox="1"/>
-          <p:nvPr/>
-        </p:nvSpPr>
-        <p:spPr>
-          <a:xfrm>
-            <a:off x="11272430" y="5871060"/>
-            <a:ext cx="5743028" cy="823431"/>
-          </a:xfrm>
-          <a:prstGeom prst="rect">
-            <a:avLst/>
-          </a:prstGeom>
-          <a:noFill/>
-        </p:spPr>
-        <p:txBody>
-          <a:bodyPr wrap="square" rtlCol="0">
-            <a:spAutoFit/>
-          </a:bodyPr>
-          <a:lstStyle>
-            <a:defPPr>
-              <a:defRPr lang="zh-CN"/>
-            </a:defPPr>
-            <a:lvl1pPr marL="0" algn="l" defTabSz="914400" rtl="0" eaLnBrk="1" latinLnBrk="0" hangingPunct="1">
-              <a:defRPr sz="1800" kern="1200">
-                <a:solidFill>
-                  <a:schemeClr val="tx1"/>
-                </a:solidFill>
-                <a:latin typeface="+mn-lt"/>
-                <a:ea typeface="+mn-ea"/>
-                <a:cs typeface="+mn-cs"/>
-              </a:defRPr>
-            </a:lvl1pPr>
-            <a:lvl2pPr marL="457200" algn="l" defTabSz="914400" rtl="0" eaLnBrk="1" latinLnBrk="0" hangingPunct="1">
-              <a:defRPr sz="1800" kern="1200">
-                <a:solidFill>
-                  <a:schemeClr val="tx1"/>
-                </a:solidFill>
-                <a:latin typeface="+mn-lt"/>
-                <a:ea typeface="+mn-ea"/>
-                <a:cs typeface="+mn-cs"/>
-              </a:defRPr>
-            </a:lvl2pPr>
-            <a:lvl3pPr marL="914400" algn="l" defTabSz="914400" rtl="0" eaLnBrk="1" latinLnBrk="0" hangingPunct="1">
-              <a:defRPr sz="1800" kern="1200">
-                <a:solidFill>
-                  <a:schemeClr val="tx1"/>
-                </a:solidFill>
-                <a:latin typeface="+mn-lt"/>
-                <a:ea typeface="+mn-ea"/>
-                <a:cs typeface="+mn-cs"/>
-              </a:defRPr>
-            </a:lvl3pPr>
-            <a:lvl4pPr marL="1371600" algn="l" defTabSz="914400" rtl="0" eaLnBrk="1" latinLnBrk="0" hangingPunct="1">
-              <a:defRPr sz="1800" kern="1200">
-                <a:solidFill>
-                  <a:schemeClr val="tx1"/>
-                </a:solidFill>
-                <a:latin typeface="+mn-lt"/>
-                <a:ea typeface="+mn-ea"/>
-                <a:cs typeface="+mn-cs"/>
-              </a:defRPr>
-            </a:lvl4pPr>
-            <a:lvl5pPr marL="1828800" algn="l" defTabSz="914400" rtl="0" eaLnBrk="1" latinLnBrk="0" hangingPunct="1">
-              <a:defRPr sz="1800" kern="1200">
-                <a:solidFill>
-                  <a:schemeClr val="tx1"/>
-                </a:solidFill>
-                <a:latin typeface="+mn-lt"/>
-                <a:ea typeface="+mn-ea"/>
-                <a:cs typeface="+mn-cs"/>
-              </a:defRPr>
-            </a:lvl5pPr>
-            <a:lvl6pPr marL="2286000" algn="l" defTabSz="914400" rtl="0" eaLnBrk="1" latinLnBrk="0" hangingPunct="1">
-              <a:defRPr sz="1800" kern="1200">
-                <a:solidFill>
-                  <a:schemeClr val="tx1"/>
-                </a:solidFill>
-                <a:latin typeface="+mn-lt"/>
-                <a:ea typeface="+mn-ea"/>
-                <a:cs typeface="+mn-cs"/>
-              </a:defRPr>
-            </a:lvl6pPr>
-            <a:lvl7pPr marL="2743200" algn="l" defTabSz="914400" rtl="0" eaLnBrk="1" latinLnBrk="0" hangingPunct="1">
-              <a:defRPr sz="1800" kern="1200">
-                <a:solidFill>
-                  <a:schemeClr val="tx1"/>
-                </a:solidFill>
-                <a:latin typeface="+mn-lt"/>
-                <a:ea typeface="+mn-ea"/>
-                <a:cs typeface="+mn-cs"/>
-              </a:defRPr>
-            </a:lvl7pPr>
-            <a:lvl8pPr marL="3200400" algn="l" defTabSz="914400" rtl="0" eaLnBrk="1" latinLnBrk="0" hangingPunct="1">
-              <a:defRPr sz="1800" kern="1200">
-                <a:solidFill>
-                  <a:schemeClr val="tx1"/>
-                </a:solidFill>
-                <a:latin typeface="+mn-lt"/>
-                <a:ea typeface="+mn-ea"/>
-                <a:cs typeface="+mn-cs"/>
-              </a:defRPr>
-            </a:lvl8pPr>
-            <a:lvl9pPr marL="3657600" algn="l" defTabSz="914400" rtl="0" eaLnBrk="1" latinLnBrk="0" hangingPunct="1">
-              <a:defRPr sz="1800" kern="1200">
-                <a:solidFill>
-                  <a:schemeClr val="tx1"/>
-                </a:solidFill>
-                <a:latin typeface="+mn-lt"/>
-                <a:ea typeface="+mn-ea"/>
-                <a:cs typeface="+mn-cs"/>
-              </a:defRPr>
-            </a:lvl9pPr>
-          </a:lstStyle>
-          <a:p>
-            <a:pPr algn="ctr">
-              <a:lnSpc>
-                <a:spcPct val="200000"/>
-              </a:lnSpc>
-            </a:pPr>
-            <a:r>
-              <a:rPr lang="en-US" altLang="zh-CN" sz="2800" dirty="0" err="1">
-                <a:solidFill>
-                  <a:prstClr val="black">
-                    <a:lumMod val="75000"/>
-                    <a:lumOff val="25000"/>
-                  </a:prstClr>
-                </a:solidFill>
-                <a:latin typeface="Arial" panose="020B0604020202020204" pitchFamily="34" charset="0"/>
-                <a:ea typeface="方正黑体简体" panose="02010601030101010101" pitchFamily="2" charset="-122"/>
-                <a:cs typeface="Arial" panose="020B0604020202020204" pitchFamily="34" charset="0"/>
-                <a:sym typeface="+mn-lt"/>
-              </a:rPr>
-              <a:t>LayaAir</a:t>
-            </a:r>
-            <a:r>
-              <a:rPr lang="zh-CN" altLang="en-US" sz="2800" dirty="0">
-                <a:solidFill>
-                  <a:prstClr val="black">
-                    <a:lumMod val="75000"/>
-                    <a:lumOff val="25000"/>
-                  </a:prstClr>
-                </a:solidFill>
-                <a:latin typeface="Arial" panose="020B0604020202020204" pitchFamily="34" charset="0"/>
-                <a:ea typeface="方正黑体简体" panose="02010601030101010101" pitchFamily="2" charset="-122"/>
-                <a:cs typeface="Arial" panose="020B0604020202020204" pitchFamily="34" charset="0"/>
-                <a:sym typeface="+mn-lt"/>
-              </a:rPr>
-              <a:t>引擎示例</a:t>
-            </a:r>
-            <a:endParaRPr lang="en-US" altLang="zh-CN" sz="2800" dirty="0">
-              <a:solidFill>
-                <a:prstClr val="black">
-                  <a:lumMod val="75000"/>
-                  <a:lumOff val="25000"/>
-                </a:prstClr>
-              </a:solidFill>
-              <a:latin typeface="Arial" panose="020B0604020202020204" pitchFamily="34" charset="0"/>
-              <a:ea typeface="方正黑体简体" panose="02010601030101010101" pitchFamily="2" charset="-122"/>
-              <a:cs typeface="Arial" panose="020B0604020202020204" pitchFamily="34" charset="0"/>
-              <a:sym typeface="+mn-lt"/>
-            </a:endParaRPr>
-          </a:p>
-        </p:txBody>
-      </p:sp>
-      <p:sp>
-        <p:nvSpPr>
           <p:cNvPr id="6" name="文本框 5">
             <a:hlinkClick r:id="rId5"/>
             <a:extLst>
@@ -14543,8 +14110,8 @@
         </p:nvSpPr>
         <p:spPr>
           <a:xfrm>
-            <a:off x="12538769" y="7364421"/>
-            <a:ext cx="3760010" cy="523220"/>
+            <a:off x="12538769" y="6045344"/>
+            <a:ext cx="4887586" cy="6124754"/>
           </a:xfrm>
           <a:prstGeom prst="rect">
             <a:avLst/>
@@ -14562,18 +14129,185 @@
                 <a:solidFill>
                   <a:schemeClr val="tx2"/>
                 </a:solidFill>
-                <a:latin typeface="Arial" panose="020B0604020202020204" pitchFamily="34" charset="0"/>
+                <a:latin typeface="新宋体" panose="02010609030101010101" pitchFamily="49" charset="-122"/>
+                <a:ea typeface="新宋体" panose="02010609030101010101" pitchFamily="49" charset="-122"/>
                 <a:cs typeface="Arial" panose="020B0604020202020204" pitchFamily="34" charset="0"/>
-                <a:hlinkClick r:id="rId6">
-                  <a:extLst>
-                    <a:ext uri="{A12FA001-AC4F-418D-AE19-62706E023703}">
-                      <ahyp:hlinkClr xmlns:ahyp="http://schemas.microsoft.com/office/drawing/2018/hyperlinkcolor" val="tx"/>
-                    </a:ext>
-                  </a:extLst>
-                </a:hlinkClick>
               </a:rPr>
-              <a:t>微信小程序开放社区</a:t>
+              <a:t>微信开放文档</a:t>
             </a:r>
+            <a:endParaRPr lang="en-US" altLang="zh-CN" sz="2800" dirty="0">
+              <a:solidFill>
+                <a:schemeClr val="tx2"/>
+              </a:solidFill>
+              <a:latin typeface="新宋体" panose="02010609030101010101" pitchFamily="49" charset="-122"/>
+              <a:ea typeface="新宋体" panose="02010609030101010101" pitchFamily="49" charset="-122"/>
+              <a:cs typeface="Arial" panose="020B0604020202020204" pitchFamily="34" charset="0"/>
+            </a:endParaRPr>
+          </a:p>
+          <a:p>
+            <a:endParaRPr lang="en-US" altLang="zh-CN" sz="2800" dirty="0">
+              <a:solidFill>
+                <a:schemeClr val="tx2"/>
+              </a:solidFill>
+              <a:latin typeface="新宋体" panose="02010609030101010101" pitchFamily="49" charset="-122"/>
+              <a:ea typeface="新宋体" panose="02010609030101010101" pitchFamily="49" charset="-122"/>
+              <a:cs typeface="Arial" panose="020B0604020202020204" pitchFamily="34" charset="0"/>
+            </a:endParaRPr>
+          </a:p>
+          <a:p>
+            <a:endParaRPr lang="en-US" altLang="zh-CN" sz="2800" dirty="0">
+              <a:solidFill>
+                <a:prstClr val="black">
+                  <a:lumMod val="75000"/>
+                  <a:lumOff val="25000"/>
+                </a:prstClr>
+              </a:solidFill>
+              <a:latin typeface="新宋体" panose="02010609030101010101" pitchFamily="49" charset="-122"/>
+              <a:ea typeface="新宋体" panose="02010609030101010101" pitchFamily="49" charset="-122"/>
+              <a:cs typeface="Arial" panose="020B0604020202020204" pitchFamily="34" charset="0"/>
+              <a:sym typeface="+mn-lt"/>
+            </a:endParaRPr>
+          </a:p>
+          <a:p>
+            <a:r>
+              <a:rPr lang="en-US" altLang="zh-CN" sz="2800" dirty="0" err="1">
+                <a:solidFill>
+                  <a:prstClr val="black">
+                    <a:lumMod val="75000"/>
+                    <a:lumOff val="25000"/>
+                  </a:prstClr>
+                </a:solidFill>
+                <a:latin typeface="新宋体" panose="02010609030101010101" pitchFamily="49" charset="-122"/>
+                <a:ea typeface="新宋体" panose="02010609030101010101" pitchFamily="49" charset="-122"/>
+                <a:cs typeface="Arial" panose="020B0604020202020204" pitchFamily="34" charset="0"/>
+                <a:sym typeface="+mn-lt"/>
+              </a:rPr>
+              <a:t>Layaair</a:t>
+            </a:r>
+            <a:r>
+              <a:rPr lang="zh-CN" altLang="en-US" sz="2800" dirty="0">
+                <a:solidFill>
+                  <a:prstClr val="black">
+                    <a:lumMod val="75000"/>
+                    <a:lumOff val="25000"/>
+                  </a:prstClr>
+                </a:solidFill>
+                <a:latin typeface="新宋体" panose="02010609030101010101" pitchFamily="49" charset="-122"/>
+                <a:ea typeface="新宋体" panose="02010609030101010101" pitchFamily="49" charset="-122"/>
+                <a:cs typeface="Arial" panose="020B0604020202020204" pitchFamily="34" charset="0"/>
+                <a:sym typeface="+mn-lt"/>
+              </a:rPr>
+              <a:t>微信小游戏开发文档</a:t>
+            </a:r>
+            <a:endParaRPr lang="en-US" altLang="zh-CN" sz="2800" dirty="0">
+              <a:solidFill>
+                <a:prstClr val="black">
+                  <a:lumMod val="75000"/>
+                  <a:lumOff val="25000"/>
+                </a:prstClr>
+              </a:solidFill>
+              <a:latin typeface="新宋体" panose="02010609030101010101" pitchFamily="49" charset="-122"/>
+              <a:ea typeface="新宋体" panose="02010609030101010101" pitchFamily="49" charset="-122"/>
+              <a:cs typeface="Arial" panose="020B0604020202020204" pitchFamily="34" charset="0"/>
+              <a:sym typeface="+mn-lt"/>
+            </a:endParaRPr>
+          </a:p>
+          <a:p>
+            <a:endParaRPr lang="en-US" altLang="zh-CN" sz="2800" dirty="0">
+              <a:solidFill>
+                <a:prstClr val="black">
+                  <a:lumMod val="75000"/>
+                  <a:lumOff val="25000"/>
+                </a:prstClr>
+              </a:solidFill>
+              <a:latin typeface="新宋体" panose="02010609030101010101" pitchFamily="49" charset="-122"/>
+              <a:ea typeface="新宋体" panose="02010609030101010101" pitchFamily="49" charset="-122"/>
+              <a:cs typeface="Arial" panose="020B0604020202020204" pitchFamily="34" charset="0"/>
+              <a:sym typeface="+mn-lt"/>
+            </a:endParaRPr>
+          </a:p>
+          <a:p>
+            <a:endParaRPr lang="en-US" altLang="zh-CN" sz="2800" dirty="0">
+              <a:solidFill>
+                <a:schemeClr val="tx2"/>
+              </a:solidFill>
+              <a:latin typeface="新宋体" panose="02010609030101010101" pitchFamily="49" charset="-122"/>
+              <a:ea typeface="新宋体" panose="02010609030101010101" pitchFamily="49" charset="-122"/>
+              <a:cs typeface="Arial" panose="020B0604020202020204" pitchFamily="34" charset="0"/>
+            </a:endParaRPr>
+          </a:p>
+          <a:p>
+            <a:r>
+              <a:rPr lang="en-US" altLang="zh-CN" sz="2800" dirty="0">
+                <a:solidFill>
+                  <a:schemeClr val="tx2"/>
+                </a:solidFill>
+                <a:latin typeface="新宋体" panose="02010609030101010101" pitchFamily="49" charset="-122"/>
+                <a:ea typeface="新宋体" panose="02010609030101010101" pitchFamily="49" charset="-122"/>
+                <a:cs typeface="Arial" panose="020B0604020202020204" pitchFamily="34" charset="0"/>
+              </a:rPr>
+              <a:t>CSDN</a:t>
+            </a:r>
+            <a:r>
+              <a:rPr lang="zh-CN" altLang="en-US" sz="2800" dirty="0">
+                <a:solidFill>
+                  <a:schemeClr val="tx2"/>
+                </a:solidFill>
+                <a:latin typeface="新宋体" panose="02010609030101010101" pitchFamily="49" charset="-122"/>
+                <a:ea typeface="新宋体" panose="02010609030101010101" pitchFamily="49" charset="-122"/>
+                <a:cs typeface="Arial" panose="020B0604020202020204" pitchFamily="34" charset="0"/>
+              </a:rPr>
+              <a:t>博客  网站：</a:t>
+            </a:r>
+            <a:r>
+              <a:rPr lang="en-US" altLang="zh-CN" sz="2800" dirty="0">
+                <a:solidFill>
+                  <a:schemeClr val="tx2"/>
+                </a:solidFill>
+                <a:latin typeface="新宋体" panose="02010609030101010101" pitchFamily="49" charset="-122"/>
+                <a:ea typeface="新宋体" panose="02010609030101010101" pitchFamily="49" charset="-122"/>
+                <a:cs typeface="Arial" panose="020B0604020202020204" pitchFamily="34" charset="0"/>
+              </a:rPr>
+              <a:t>https://www.csdn.net/?spm=1001.2101.3001.4476</a:t>
+            </a:r>
+          </a:p>
+          <a:p>
+            <a:endParaRPr lang="en-US" altLang="zh-CN" sz="2800" dirty="0">
+              <a:solidFill>
+                <a:schemeClr val="tx2"/>
+              </a:solidFill>
+              <a:latin typeface="Arial" panose="020B0604020202020204" pitchFamily="34" charset="0"/>
+              <a:cs typeface="Arial" panose="020B0604020202020204" pitchFamily="34" charset="0"/>
+            </a:endParaRPr>
+          </a:p>
+          <a:p>
+            <a:endParaRPr lang="en-US" altLang="zh-CN" sz="2800" dirty="0">
+              <a:solidFill>
+                <a:schemeClr val="tx2"/>
+              </a:solidFill>
+              <a:latin typeface="Arial" panose="020B0604020202020204" pitchFamily="34" charset="0"/>
+              <a:cs typeface="Arial" panose="020B0604020202020204" pitchFamily="34" charset="0"/>
+            </a:endParaRPr>
+          </a:p>
+          <a:p>
+            <a:endParaRPr lang="en-US" altLang="zh-CN" sz="2800" dirty="0">
+              <a:solidFill>
+                <a:schemeClr val="tx2"/>
+              </a:solidFill>
+              <a:latin typeface="Arial" panose="020B0604020202020204" pitchFamily="34" charset="0"/>
+              <a:cs typeface="Arial" panose="020B0604020202020204" pitchFamily="34" charset="0"/>
+            </a:endParaRPr>
+          </a:p>
+          <a:p>
+            <a:endParaRPr lang="en-US" altLang="zh-CN" sz="2800" dirty="0">
+              <a:solidFill>
+                <a:schemeClr val="tx2"/>
+              </a:solidFill>
+              <a:latin typeface="Arial" panose="020B0604020202020204" pitchFamily="34" charset="0"/>
+              <a:cs typeface="Arial" panose="020B0604020202020204" pitchFamily="34" charset="0"/>
+            </a:endParaRPr>
+          </a:p>
+          <a:p>
             <a:endParaRPr lang="zh-CN" altLang="en-US" sz="2800" dirty="0">
               <a:solidFill>
                 <a:schemeClr val="tx2"/>
@@ -14760,74 +14494,30 @@
                             </p:childTnLst>
                           </p:cTn>
                         </p:par>
+                      </p:childTnLst>
+                    </p:cTn>
+                  </p:par>
+                  <p:par>
+                    <p:cTn id="16" fill="hold">
+                      <p:stCondLst>
+                        <p:cond delay="indefinite"/>
+                      </p:stCondLst>
+                      <p:childTnLst>
                         <p:par>
-                          <p:cTn id="16" fill="hold">
+                          <p:cTn id="17" fill="hold">
                             <p:stCondLst>
-                              <p:cond delay="1750"/>
+                              <p:cond delay="0"/>
                             </p:stCondLst>
                             <p:childTnLst>
                               <p:par>
-                                <p:cTn id="17" presetID="14" presetClass="entr" presetSubtype="10" fill="hold" grpId="1" nodeType="afterEffect">
+                                <p:cTn id="18" presetID="2" presetClass="entr" presetSubtype="4" fill="hold" grpId="0" nodeType="clickEffect">
                                   <p:stCondLst>
                                     <p:cond delay="0"/>
                                   </p:stCondLst>
                                   <p:childTnLst>
                                     <p:set>
                                       <p:cBhvr>
-                                        <p:cTn id="18" dur="1" fill="hold">
-                                          <p:stCondLst>
-                                            <p:cond delay="0"/>
-                                          </p:stCondLst>
-                                        </p:cTn>
-                                        <p:tgtEl>
-                                          <p:spTgt spid="20"/>
-                                        </p:tgtEl>
-                                        <p:attrNameLst>
-                                          <p:attrName>style.visibility</p:attrName>
-                                        </p:attrNameLst>
-                                      </p:cBhvr>
-                                      <p:to>
-                                        <p:strVal val="visible"/>
-                                      </p:to>
-                                    </p:set>
-                                    <p:animEffect transition="in" filter="randombar(horizontal)">
-                                      <p:cBhvr>
-                                        <p:cTn id="19" dur="500"/>
-                                        <p:tgtEl>
-                                          <p:spTgt spid="20"/>
-                                        </p:tgtEl>
-                                      </p:cBhvr>
-                                    </p:animEffect>
-                                  </p:childTnLst>
-                                </p:cTn>
-                              </p:par>
-                            </p:childTnLst>
-                          </p:cTn>
-                        </p:par>
-                      </p:childTnLst>
-                    </p:cTn>
-                  </p:par>
-                  <p:par>
-                    <p:cTn id="20" fill="hold">
-                      <p:stCondLst>
-                        <p:cond delay="indefinite"/>
-                      </p:stCondLst>
-                      <p:childTnLst>
-                        <p:par>
-                          <p:cTn id="21" fill="hold">
-                            <p:stCondLst>
-                              <p:cond delay="0"/>
-                            </p:stCondLst>
-                            <p:childTnLst>
-                              <p:par>
-                                <p:cTn id="22" presetID="2" presetClass="entr" presetSubtype="4" fill="hold" grpId="0" nodeType="clickEffect">
-                                  <p:stCondLst>
-                                    <p:cond delay="0"/>
-                                  </p:stCondLst>
-                                  <p:childTnLst>
-                                    <p:set>
-                                      <p:cBhvr>
-                                        <p:cTn id="23" dur="1" fill="hold">
+                                        <p:cTn id="19" dur="1" fill="hold">
                                           <p:stCondLst>
                                             <p:cond delay="0"/>
                                           </p:stCondLst>
@@ -14845,7 +14535,7 @@
                                     </p:set>
                                     <p:anim calcmode="lin" valueType="num">
                                       <p:cBhvr additive="base">
-                                        <p:cTn id="24" dur="500" fill="hold"/>
+                                        <p:cTn id="20" dur="500" fill="hold"/>
                                         <p:tgtEl>
                                           <p:spTgt spid="6"/>
                                         </p:tgtEl>
@@ -14868,7 +14558,7 @@
                                     </p:anim>
                                     <p:anim calcmode="lin" valueType="num">
                                       <p:cBhvr additive="base">
-                                        <p:cTn id="25" dur="500" fill="hold"/>
+                                        <p:cTn id="21" dur="500" fill="hold"/>
                                         <p:tgtEl>
                                           <p:spTgt spid="6"/>
                                         </p:tgtEl>
@@ -14925,8 +14615,6 @@
       <p:bldP spid="18" grpId="1"/>
       <p:bldP spid="17" grpId="0"/>
       <p:bldP spid="17" grpId="1"/>
-      <p:bldP spid="20" grpId="0"/>
-      <p:bldP spid="20" grpId="1"/>
       <p:bldP spid="6" grpId="0"/>
     </p:bldLst>
   </p:timing>
@@ -16206,13 +15894,8 @@
           <a:p>
             <a:r>
               <a:rPr lang="zh-CN" altLang="en-US" dirty="0"/>
-              <a:t>林安晨：资料查找</a:t>
+              <a:t>林安晨：</a:t>
             </a:r>
-            <a:r>
-              <a:rPr lang="en-US" altLang="zh-CN" dirty="0"/>
-              <a:t>35%</a:t>
-            </a:r>
-            <a:endParaRPr lang="zh-CN" altLang="en-US" dirty="0"/>
           </a:p>
         </p:txBody>
       </p:sp>
@@ -16246,13 +15929,8 @@
           <a:p>
             <a:r>
               <a:rPr lang="zh-CN" altLang="en-US" dirty="0"/>
-              <a:t>孙雷明：文档编写</a:t>
+              <a:t>孙雷明：</a:t>
             </a:r>
-            <a:r>
-              <a:rPr lang="en-US" altLang="zh-CN" dirty="0"/>
-              <a:t>33%</a:t>
-            </a:r>
-            <a:endParaRPr lang="zh-CN" altLang="en-US" dirty="0"/>
           </a:p>
         </p:txBody>
       </p:sp>
@@ -16270,7 +15948,7 @@
         </p:nvSpPr>
         <p:spPr>
           <a:xfrm>
-            <a:off x="4477832" y="8157030"/>
+            <a:off x="4497355" y="8210929"/>
             <a:ext cx="5542384" cy="646331"/>
           </a:xfrm>
           <a:prstGeom prst="rect">
@@ -16286,21 +15964,8 @@
           <a:p>
             <a:r>
               <a:rPr lang="zh-CN" altLang="en-US" dirty="0"/>
-              <a:t>许淇凯：  </a:t>
+              <a:t>许淇凯：</a:t>
             </a:r>
-            <a:r>
-              <a:rPr lang="en-US" altLang="zh-CN" dirty="0"/>
-              <a:t>ppt</a:t>
-            </a:r>
-            <a:r>
-              <a:rPr lang="zh-CN" altLang="en-US" dirty="0"/>
-              <a:t>编写</a:t>
-            </a:r>
-            <a:r>
-              <a:rPr lang="en-US" altLang="zh-CN" dirty="0"/>
-              <a:t>32%</a:t>
-            </a:r>
-            <a:endParaRPr lang="zh-CN" altLang="en-US" dirty="0"/>
           </a:p>
         </p:txBody>
       </p:sp>
@@ -17124,8 +16789,8 @@
           </p:nvSpPr>
           <p:spPr>
             <a:xfrm>
-              <a:off x="19758603" y="11242460"/>
-              <a:ext cx="3053607" cy="461665"/>
+              <a:off x="19659963" y="11242460"/>
+              <a:ext cx="3250888" cy="461665"/>
             </a:xfrm>
             <a:prstGeom prst="rect">
               <a:avLst/>
@@ -17159,7 +16824,7 @@
                   <a:ea typeface="等线" panose="02010600030101010101" pitchFamily="2" charset="-122"/>
                   <a:cs typeface="Poppins SemiBold" charset="0"/>
                 </a:rPr>
-                <a:t>2021.9</a:t>
+                <a:t>2021.12</a:t>
               </a:r>
               <a:endParaRPr lang="en-US" sz="2400" b="1" dirty="0">
                 <a:solidFill>
@@ -17173,6 +16838,50 @@
           </p:txBody>
         </p:sp>
       </p:grpSp>
+      <p:pic>
+        <p:nvPicPr>
+          <p:cNvPr id="16" name="图片 15">
+            <a:extLst>
+              <a:ext uri="{FF2B5EF4-FFF2-40B4-BE49-F238E27FC236}">
+                <a16:creationId xmlns:a16="http://schemas.microsoft.com/office/drawing/2014/main" id="{78785676-5AB9-460A-A85C-0DC2BEC36F9F}"/>
+              </a:ext>
+            </a:extLst>
+          </p:cNvPr>
+          <p:cNvPicPr>
+            <a:picLocks noChangeAspect="1"/>
+          </p:cNvPicPr>
+          <p:nvPr/>
+        </p:nvPicPr>
+        <p:blipFill rotWithShape="1">
+          <a:blip r:embed="rId4">
+            <a:extLst>
+              <a:ext uri="{28A0092B-C50C-407E-A947-70E740481C1C}">
+                <a14:useLocalDpi xmlns:a14="http://schemas.microsoft.com/office/drawing/2010/main" val="0"/>
+              </a:ext>
+            </a:extLst>
+          </a:blip>
+          <a:srcRect l="29003" t="24402" r="25988" b="36690"/>
+          <a:stretch/>
+        </p:blipFill>
+        <p:spPr bwMode="auto">
+          <a:xfrm>
+            <a:off x="10581291" y="2210080"/>
+            <a:ext cx="2947035" cy="2547620"/>
+          </a:xfrm>
+          <a:prstGeom prst="rect">
+            <a:avLst/>
+          </a:prstGeom>
+          <a:noFill/>
+          <a:ln>
+            <a:noFill/>
+          </a:ln>
+          <a:extLst>
+            <a:ext uri="{53640926-AAD7-44D8-BBD7-CCE9431645EC}">
+              <a14:shadowObscured xmlns:a14="http://schemas.microsoft.com/office/drawing/2010/main"/>
+            </a:ext>
+          </a:extLst>
+        </p:spPr>
+      </p:pic>
     </p:spTree>
     <p:extLst>
       <p:ext uri="{BB962C8B-B14F-4D97-AF65-F5344CB8AC3E}">
@@ -17786,7 +17495,7 @@
                   <a:ea typeface="华文细黑" panose="02010600040101010101" charset="-122"/>
                   <a:sym typeface="+mn-ea"/>
                 </a:rPr>
-                <a:t>项目介绍</a:t>
+                <a:t>项目演示</a:t>
               </a:r>
               <a:endParaRPr lang="en-US" altLang="zh-CN" b="1" dirty="0">
                 <a:solidFill>
@@ -17888,7 +17597,7 @@
           <p:spPr>
             <a:xfrm>
               <a:off x="12778934" y="3133426"/>
-              <a:ext cx="7103404" cy="1294200"/>
+              <a:ext cx="7103404" cy="878702"/>
             </a:xfrm>
             <a:prstGeom prst="rect">
               <a:avLst/>
@@ -17906,18 +17615,7 @@
                   <a:spcPct val="150000"/>
                 </a:lnSpc>
               </a:pPr>
-              <a:r>
-                <a:rPr lang="zh-CN" altLang="en-US" b="1" dirty="0">
-                  <a:solidFill>
-                    <a:prstClr val="black"/>
-                  </a:solidFill>
-                  <a:latin typeface="Lora" panose="02000503000000020004" charset="0"/>
-                  <a:ea typeface="华文细黑" panose="02010600040101010101" charset="-122"/>
-                  <a:sym typeface="+mn-ea"/>
-                </a:rPr>
-                <a:t>项目工具</a:t>
-              </a:r>
-              <a:endParaRPr lang="en-US" altLang="zh-CN" b="1" dirty="0">
+              <a:endParaRPr lang="en-US" altLang="zh-CN" sz="1800" dirty="0">
                 <a:solidFill>
                   <a:prstClr val="black"/>
                 </a:solidFill>
@@ -19342,7 +19040,7 @@
                 <a:ea typeface="华文细黑" panose="02010600040101010101" charset="-122"/>
                 <a:sym typeface="+mn-ea"/>
               </a:rPr>
-              <a:t>项目介绍</a:t>
+              <a:t>项目演示</a:t>
             </a:r>
             <a:endParaRPr lang="en-US" altLang="zh-CN" sz="9600" b="1" dirty="0">
               <a:solidFill>
@@ -19374,8 +19072,8 @@
         </p:nvSpPr>
         <p:spPr>
           <a:xfrm>
-            <a:off x="8721148" y="9100405"/>
-            <a:ext cx="3086102" cy="461665"/>
+            <a:off x="9222888" y="9100405"/>
+            <a:ext cx="2082621" cy="461665"/>
           </a:xfrm>
           <a:prstGeom prst="rect">
             <a:avLst/>
@@ -19398,7 +19096,7 @@
                 <a:ea typeface="华文细黑" panose="02010600040101010101" charset="-122"/>
                 <a:sym typeface="+mn-ea"/>
               </a:rPr>
-              <a:t>project introduction</a:t>
+              <a:t>project demo</a:t>
             </a:r>
             <a:endParaRPr lang="en-US" sz="2200" dirty="0">
               <a:solidFill>
@@ -19855,7 +19553,7 @@
                   <a:ea typeface="等线" panose="02010600030101010101" pitchFamily="2" charset="-122"/>
                   <a:cs typeface="Lato Black" charset="0"/>
                 </a:rPr>
-                <a:t>项目介绍</a:t>
+                <a:t>项目演示</a:t>
               </a:r>
               <a:endParaRPr lang="en-US" sz="8400" dirty="0">
                 <a:solidFill>
@@ -19941,371 +19639,6 @@
           </p:style>
         </p:cxnSp>
       </p:grpSp>
-      <p:grpSp>
-        <p:nvGrpSpPr>
-          <p:cNvPr id="2" name="组合 1"/>
-          <p:cNvGrpSpPr/>
-          <p:nvPr/>
-        </p:nvGrpSpPr>
-        <p:grpSpPr>
-          <a:xfrm>
-            <a:off x="10096848" y="6516057"/>
-            <a:ext cx="4190124" cy="692933"/>
-            <a:chOff x="10096848" y="5956418"/>
-            <a:chExt cx="4190124" cy="692933"/>
-          </a:xfrm>
-        </p:grpSpPr>
-        <p:sp>
-          <p:nvSpPr>
-            <p:cNvPr id="36" name="Rectangle 35"/>
-            <p:cNvSpPr/>
-            <p:nvPr/>
-          </p:nvSpPr>
-          <p:spPr>
-            <a:xfrm>
-              <a:off x="10096848" y="5956418"/>
-              <a:ext cx="4190124" cy="692933"/>
-            </a:xfrm>
-            <a:prstGeom prst="rect">
-              <a:avLst/>
-            </a:prstGeom>
-            <a:noFill/>
-            <a:ln w="57150">
-              <a:solidFill>
-                <a:srgbClr val="4CA0B4"/>
-              </a:solidFill>
-            </a:ln>
-          </p:spPr>
-          <p:style>
-            <a:lnRef idx="2">
-              <a:schemeClr val="accent1">
-                <a:shade val="50000"/>
-              </a:schemeClr>
-            </a:lnRef>
-            <a:fillRef idx="1">
-              <a:schemeClr val="accent1"/>
-            </a:fillRef>
-            <a:effectRef idx="0">
-              <a:schemeClr val="accent1"/>
-            </a:effectRef>
-            <a:fontRef idx="minor">
-              <a:schemeClr val="lt1"/>
-            </a:fontRef>
-          </p:style>
-          <p:txBody>
-            <a:bodyPr rtlCol="0" anchor="ctr"/>
-            <a:lstStyle/>
-            <a:p>
-              <a:pPr algn="ctr"/>
-              <a:endParaRPr lang="en-US">
-                <a:solidFill>
-                  <a:srgbClr val="4CA0B4"/>
-                </a:solidFill>
-              </a:endParaRPr>
-            </a:p>
-          </p:txBody>
-        </p:sp>
-        <p:sp>
-          <p:nvSpPr>
-            <p:cNvPr id="37" name="TextBox 36"/>
-            <p:cNvSpPr txBox="1"/>
-            <p:nvPr/>
-          </p:nvSpPr>
-          <p:spPr>
-            <a:xfrm>
-              <a:off x="10979081" y="6080384"/>
-              <a:ext cx="2425664" cy="523220"/>
-            </a:xfrm>
-            <a:prstGeom prst="rect">
-              <a:avLst/>
-            </a:prstGeom>
-            <a:noFill/>
-          </p:spPr>
-          <p:txBody>
-            <a:bodyPr wrap="none" rtlCol="0" anchor="ctr" anchorCtr="0">
-              <a:spAutoFit/>
-            </a:bodyPr>
-            <a:lstStyle/>
-            <a:p>
-              <a:pPr algn="ctr"/>
-              <a:r>
-                <a:rPr lang="en-US" altLang="zh-CN" sz="2800" b="1" dirty="0">
-                  <a:solidFill>
-                    <a:srgbClr val="4CA0B4"/>
-                  </a:solidFill>
-                  <a:latin typeface="Poppins SemiBold" charset="0"/>
-                  <a:ea typeface="Poppins SemiBold" charset="0"/>
-                  <a:cs typeface="Poppins SemiBold" charset="0"/>
-                </a:rPr>
-                <a:t>Music game</a:t>
-              </a:r>
-              <a:endParaRPr lang="en-US" sz="2800" b="1" dirty="0">
-                <a:solidFill>
-                  <a:srgbClr val="4CA0B4"/>
-                </a:solidFill>
-                <a:latin typeface="Poppins SemiBold" charset="0"/>
-                <a:ea typeface="Poppins SemiBold" charset="0"/>
-                <a:cs typeface="Poppins SemiBold" charset="0"/>
-              </a:endParaRPr>
-            </a:p>
-          </p:txBody>
-        </p:sp>
-      </p:grpSp>
-      <p:sp>
-        <p:nvSpPr>
-          <p:cNvPr id="10" name="文本框 9"/>
-          <p:cNvSpPr txBox="1"/>
-          <p:nvPr/>
-        </p:nvSpPr>
-        <p:spPr>
-          <a:xfrm>
-            <a:off x="2700117" y="3499700"/>
-            <a:ext cx="18977416" cy="2935547"/>
-          </a:xfrm>
-          <a:prstGeom prst="rect">
-            <a:avLst/>
-          </a:prstGeom>
-          <a:noFill/>
-        </p:spPr>
-        <p:txBody>
-          <a:bodyPr wrap="square" rtlCol="0">
-            <a:spAutoFit/>
-          </a:bodyPr>
-          <a:lstStyle>
-            <a:defPPr>
-              <a:defRPr lang="zh-CN"/>
-            </a:defPPr>
-            <a:lvl1pPr marL="0" algn="l" defTabSz="914400" rtl="0" eaLnBrk="1" latinLnBrk="0" hangingPunct="1">
-              <a:defRPr sz="1800" kern="1200">
-                <a:solidFill>
-                  <a:schemeClr val="tx1"/>
-                </a:solidFill>
-                <a:latin typeface="+mn-lt"/>
-                <a:ea typeface="+mn-ea"/>
-                <a:cs typeface="+mn-cs"/>
-              </a:defRPr>
-            </a:lvl1pPr>
-            <a:lvl2pPr marL="457200" algn="l" defTabSz="914400" rtl="0" eaLnBrk="1" latinLnBrk="0" hangingPunct="1">
-              <a:defRPr sz="1800" kern="1200">
-                <a:solidFill>
-                  <a:schemeClr val="tx1"/>
-                </a:solidFill>
-                <a:latin typeface="+mn-lt"/>
-                <a:ea typeface="+mn-ea"/>
-                <a:cs typeface="+mn-cs"/>
-              </a:defRPr>
-            </a:lvl2pPr>
-            <a:lvl3pPr marL="914400" algn="l" defTabSz="914400" rtl="0" eaLnBrk="1" latinLnBrk="0" hangingPunct="1">
-              <a:defRPr sz="1800" kern="1200">
-                <a:solidFill>
-                  <a:schemeClr val="tx1"/>
-                </a:solidFill>
-                <a:latin typeface="+mn-lt"/>
-                <a:ea typeface="+mn-ea"/>
-                <a:cs typeface="+mn-cs"/>
-              </a:defRPr>
-            </a:lvl3pPr>
-            <a:lvl4pPr marL="1371600" algn="l" defTabSz="914400" rtl="0" eaLnBrk="1" latinLnBrk="0" hangingPunct="1">
-              <a:defRPr sz="1800" kern="1200">
-                <a:solidFill>
-                  <a:schemeClr val="tx1"/>
-                </a:solidFill>
-                <a:latin typeface="+mn-lt"/>
-                <a:ea typeface="+mn-ea"/>
-                <a:cs typeface="+mn-cs"/>
-              </a:defRPr>
-            </a:lvl4pPr>
-            <a:lvl5pPr marL="1828800" algn="l" defTabSz="914400" rtl="0" eaLnBrk="1" latinLnBrk="0" hangingPunct="1">
-              <a:defRPr sz="1800" kern="1200">
-                <a:solidFill>
-                  <a:schemeClr val="tx1"/>
-                </a:solidFill>
-                <a:latin typeface="+mn-lt"/>
-                <a:ea typeface="+mn-ea"/>
-                <a:cs typeface="+mn-cs"/>
-              </a:defRPr>
-            </a:lvl5pPr>
-            <a:lvl6pPr marL="2286000" algn="l" defTabSz="914400" rtl="0" eaLnBrk="1" latinLnBrk="0" hangingPunct="1">
-              <a:defRPr sz="1800" kern="1200">
-                <a:solidFill>
-                  <a:schemeClr val="tx1"/>
-                </a:solidFill>
-                <a:latin typeface="+mn-lt"/>
-                <a:ea typeface="+mn-ea"/>
-                <a:cs typeface="+mn-cs"/>
-              </a:defRPr>
-            </a:lvl6pPr>
-            <a:lvl7pPr marL="2743200" algn="l" defTabSz="914400" rtl="0" eaLnBrk="1" latinLnBrk="0" hangingPunct="1">
-              <a:defRPr sz="1800" kern="1200">
-                <a:solidFill>
-                  <a:schemeClr val="tx1"/>
-                </a:solidFill>
-                <a:latin typeface="+mn-lt"/>
-                <a:ea typeface="+mn-ea"/>
-                <a:cs typeface="+mn-cs"/>
-              </a:defRPr>
-            </a:lvl7pPr>
-            <a:lvl8pPr marL="3200400" algn="l" defTabSz="914400" rtl="0" eaLnBrk="1" latinLnBrk="0" hangingPunct="1">
-              <a:defRPr sz="1800" kern="1200">
-                <a:solidFill>
-                  <a:schemeClr val="tx1"/>
-                </a:solidFill>
-                <a:latin typeface="+mn-lt"/>
-                <a:ea typeface="+mn-ea"/>
-                <a:cs typeface="+mn-cs"/>
-              </a:defRPr>
-            </a:lvl8pPr>
-            <a:lvl9pPr marL="3657600" algn="l" defTabSz="914400" rtl="0" eaLnBrk="1" latinLnBrk="0" hangingPunct="1">
-              <a:defRPr sz="1800" kern="1200">
-                <a:solidFill>
-                  <a:schemeClr val="tx1"/>
-                </a:solidFill>
-                <a:latin typeface="+mn-lt"/>
-                <a:ea typeface="+mn-ea"/>
-                <a:cs typeface="+mn-cs"/>
-              </a:defRPr>
-            </a:lvl9pPr>
-          </a:lstStyle>
-          <a:p>
-            <a:pPr>
-              <a:lnSpc>
-                <a:spcPct val="200000"/>
-              </a:lnSpc>
-            </a:pPr>
-            <a:r>
-              <a:rPr lang="zh-CN" altLang="en-US" sz="2400" dirty="0">
-                <a:solidFill>
-                  <a:prstClr val="black">
-                    <a:lumMod val="75000"/>
-                    <a:lumOff val="25000"/>
-                  </a:prstClr>
-                </a:solidFill>
-                <a:latin typeface="方正黑体简体" panose="02010601030101010101" pitchFamily="2" charset="-122"/>
-                <a:ea typeface="方正黑体简体" panose="02010601030101010101" pitchFamily="2" charset="-122"/>
-                <a:cs typeface="+mn-ea"/>
-                <a:sym typeface="+mn-lt"/>
-              </a:rPr>
-              <a:t>      微信现在是人人都在使用的</a:t>
-            </a:r>
-            <a:r>
-              <a:rPr lang="en-US" altLang="zh-CN" sz="2400" dirty="0">
-                <a:solidFill>
-                  <a:prstClr val="black">
-                    <a:lumMod val="75000"/>
-                    <a:lumOff val="25000"/>
-                  </a:prstClr>
-                </a:solidFill>
-                <a:latin typeface="方正黑体简体" panose="02010601030101010101" pitchFamily="2" charset="-122"/>
-                <a:ea typeface="方正黑体简体" panose="02010601030101010101" pitchFamily="2" charset="-122"/>
-                <a:cs typeface="+mn-ea"/>
-                <a:sym typeface="+mn-lt"/>
-              </a:rPr>
-              <a:t>app</a:t>
-            </a:r>
-            <a:r>
-              <a:rPr lang="zh-CN" altLang="en-US" sz="2400" dirty="0">
-                <a:solidFill>
-                  <a:prstClr val="black">
-                    <a:lumMod val="75000"/>
-                    <a:lumOff val="25000"/>
-                  </a:prstClr>
-                </a:solidFill>
-                <a:latin typeface="方正黑体简体" panose="02010601030101010101" pitchFamily="2" charset="-122"/>
-                <a:ea typeface="方正黑体简体" panose="02010601030101010101" pitchFamily="2" charset="-122"/>
-                <a:cs typeface="+mn-ea"/>
-                <a:sym typeface="+mn-lt"/>
-              </a:rPr>
-              <a:t>了，随着微信的发展，微信小程序的种类和可玩性也越来越多。我们小组打算以微信小程序作为平台，制作一个简易操作的音游。</a:t>
-            </a:r>
-            <a:endParaRPr lang="en-US" altLang="zh-CN" sz="2400" dirty="0">
-              <a:solidFill>
-                <a:prstClr val="black">
-                  <a:lumMod val="75000"/>
-                  <a:lumOff val="25000"/>
-                </a:prstClr>
-              </a:solidFill>
-              <a:latin typeface="方正黑体简体" panose="02010601030101010101" pitchFamily="2" charset="-122"/>
-              <a:ea typeface="方正黑体简体" panose="02010601030101010101" pitchFamily="2" charset="-122"/>
-              <a:cs typeface="+mn-ea"/>
-              <a:sym typeface="+mn-lt"/>
-            </a:endParaRPr>
-          </a:p>
-          <a:p>
-            <a:pPr>
-              <a:lnSpc>
-                <a:spcPct val="200000"/>
-              </a:lnSpc>
-            </a:pPr>
-            <a:r>
-              <a:rPr lang="en-US" altLang="zh-CN" sz="2400" dirty="0">
-                <a:solidFill>
-                  <a:prstClr val="black">
-                    <a:lumMod val="75000"/>
-                    <a:lumOff val="25000"/>
-                  </a:prstClr>
-                </a:solidFill>
-                <a:latin typeface="方正黑体简体" panose="02010601030101010101" pitchFamily="2" charset="-122"/>
-                <a:ea typeface="方正黑体简体" panose="02010601030101010101" pitchFamily="2" charset="-122"/>
-                <a:cs typeface="+mn-ea"/>
-                <a:sym typeface="+mn-lt"/>
-              </a:rPr>
-              <a:t>   《Sky Dream》</a:t>
-            </a:r>
-            <a:r>
-              <a:rPr lang="zh-CN" altLang="en-US" sz="2400" dirty="0">
-                <a:solidFill>
-                  <a:prstClr val="black">
-                    <a:lumMod val="75000"/>
-                    <a:lumOff val="25000"/>
-                  </a:prstClr>
-                </a:solidFill>
-                <a:latin typeface="方正黑体简体" panose="02010601030101010101" pitchFamily="2" charset="-122"/>
-                <a:ea typeface="方正黑体简体" panose="02010601030101010101" pitchFamily="2" charset="-122"/>
-                <a:cs typeface="+mn-ea"/>
-                <a:sym typeface="+mn-lt"/>
-              </a:rPr>
-              <a:t>是一款冒险类型的音乐游戏，人们都很热爱音乐，传说，只要通过重重挑战，就可以到达天空之城。玩家扮演的是一个不小心掉落地上的天空之城原住民，根据路途上的提示，努力回家。</a:t>
-            </a:r>
-            <a:endParaRPr lang="en-US" altLang="zh-CN" sz="2400" dirty="0">
-              <a:solidFill>
-                <a:prstClr val="black">
-                  <a:lumMod val="75000"/>
-                  <a:lumOff val="25000"/>
-                </a:prstClr>
-              </a:solidFill>
-              <a:latin typeface="方正黑体简体" panose="02010601030101010101" pitchFamily="2" charset="-122"/>
-              <a:ea typeface="方正黑体简体" panose="02010601030101010101" pitchFamily="2" charset="-122"/>
-              <a:cs typeface="+mn-ea"/>
-              <a:sym typeface="+mn-lt"/>
-            </a:endParaRPr>
-          </a:p>
-        </p:txBody>
-      </p:sp>
-      <p:pic>
-        <p:nvPicPr>
-          <p:cNvPr id="6" name="图片占位符 5"/>
-          <p:cNvPicPr>
-            <a:picLocks noGrp="1" noChangeAspect="1"/>
-          </p:cNvPicPr>
-          <p:nvPr>
-            <p:ph type="pic" sz="quarter" idx="16"/>
-          </p:nvPr>
-        </p:nvPicPr>
-        <p:blipFill>
-          <a:blip r:embed="rId3" cstate="email">
-            <a:extLst>
-              <a:ext uri="{28A0092B-C50C-407E-A947-70E740481C1C}">
-                <a14:useLocalDpi xmlns:a14="http://schemas.microsoft.com/office/drawing/2010/main" val="0"/>
-              </a:ext>
-            </a:extLst>
-          </a:blip>
-          <a:srcRect t="30229" b="30229"/>
-          <a:stretch>
-            <a:fillRect/>
-          </a:stretch>
-        </p:blipFill>
-        <p:spPr/>
-      </p:pic>
     </p:spTree>
     <p:extLst>
       <p:ext uri="{BB962C8B-B14F-4D97-AF65-F5344CB8AC3E}">
@@ -20389,138 +19722,6 @@
                             </p:childTnLst>
                           </p:cTn>
                         </p:par>
-                        <p:par>
-                          <p:cTn id="8" fill="hold">
-                            <p:stCondLst>
-                              <p:cond delay="500"/>
-                            </p:stCondLst>
-                            <p:childTnLst>
-                              <p:par>
-                                <p:cTn id="9" presetID="14" presetClass="entr" presetSubtype="5" fill="hold" grpId="1" nodeType="afterEffect">
-                                  <p:stCondLst>
-                                    <p:cond delay="0"/>
-                                  </p:stCondLst>
-                                  <p:childTnLst>
-                                    <p:set>
-                                      <p:cBhvr>
-                                        <p:cTn id="10" dur="1" fill="hold">
-                                          <p:stCondLst>
-                                            <p:cond delay="0"/>
-                                          </p:stCondLst>
-                                        </p:cTn>
-                                        <p:tgtEl>
-                                          <p:spTgt spid="10"/>
-                                        </p:tgtEl>
-                                        <p:attrNameLst>
-                                          <p:attrName>style.visibility</p:attrName>
-                                        </p:attrNameLst>
-                                      </p:cBhvr>
-                                      <p:to>
-                                        <p:strVal val="visible"/>
-                                      </p:to>
-                                    </p:set>
-                                    <p:animEffect transition="in" filter="randombar(vertical)">
-                                      <p:cBhvr>
-                                        <p:cTn id="11" dur="500"/>
-                                        <p:tgtEl>
-                                          <p:spTgt spid="10"/>
-                                        </p:tgtEl>
-                                      </p:cBhvr>
-                                    </p:animEffect>
-                                  </p:childTnLst>
-                                </p:cTn>
-                              </p:par>
-                            </p:childTnLst>
-                          </p:cTn>
-                        </p:par>
-                        <p:par>
-                          <p:cTn id="12" fill="hold">
-                            <p:stCondLst>
-                              <p:cond delay="1000"/>
-                            </p:stCondLst>
-                            <p:childTnLst>
-                              <p:par>
-                                <p:cTn id="13" presetID="16" presetClass="entr" presetSubtype="21" fill="hold" nodeType="afterEffect">
-                                  <p:stCondLst>
-                                    <p:cond delay="0"/>
-                                  </p:stCondLst>
-                                  <p:childTnLst>
-                                    <p:set>
-                                      <p:cBhvr>
-                                        <p:cTn id="14" dur="1" fill="hold">
-                                          <p:stCondLst>
-                                            <p:cond delay="0"/>
-                                          </p:stCondLst>
-                                        </p:cTn>
-                                        <p:tgtEl>
-                                          <p:spTgt spid="2"/>
-                                        </p:tgtEl>
-                                        <p:attrNameLst>
-                                          <p:attrName>style.visibility</p:attrName>
-                                        </p:attrNameLst>
-                                      </p:cBhvr>
-                                      <p:to>
-                                        <p:strVal val="visible"/>
-                                      </p:to>
-                                    </p:set>
-                                    <p:animEffect transition="in" filter="barn(inVertical)">
-                                      <p:cBhvr>
-                                        <p:cTn id="15" dur="500"/>
-                                        <p:tgtEl>
-                                          <p:spTgt spid="2"/>
-                                        </p:tgtEl>
-                                      </p:cBhvr>
-                                    </p:animEffect>
-                                  </p:childTnLst>
-                                </p:cTn>
-                              </p:par>
-                            </p:childTnLst>
-                          </p:cTn>
-                        </p:par>
-                        <p:par>
-                          <p:cTn id="16" fill="hold">
-                            <p:stCondLst>
-                              <p:cond delay="1500"/>
-                            </p:stCondLst>
-                            <p:childTnLst>
-                              <p:par>
-                                <p:cTn id="17" presetID="16" presetClass="entr" presetSubtype="21" fill="hold" nodeType="afterEffect">
-                                  <p:stCondLst>
-                                    <p:cond delay="0"/>
-                                  </p:stCondLst>
-                                  <p:childTnLst>
-                                    <p:set>
-                                      <p:cBhvr>
-                                        <p:cTn id="18" dur="1" fill="hold">
-                                          <p:stCondLst>
-                                            <p:cond delay="0"/>
-                                          </p:stCondLst>
-                                        </p:cTn>
-                                        <p:tgtEl>
-                                          <p:spTgt spid="6"/>
-                                        </p:tgtEl>
-                                        <p:attrNameLst>
-                                          <p:attrName>style.visibility</p:attrName>
-                                        </p:attrNameLst>
-                                      </p:cBhvr>
-                                      <p:to>
-                                        <p:strVal val="visible"/>
-                                      </p:to>
-                                    </p:set>
-                                    <p:animEffect transition="in" filter="barn(inVertical)">
-                                      <p:cBhvr>
-                                        <p:cTn id="19" dur="750"/>
-                                        <p:tgtEl>
-                                          <p:spTgt spid="6"/>
-                                        </p:tgtEl>
-                                      </p:cBhvr>
-                                    </p:animEffect>
-                                  </p:childTnLst>
-                                </p:cTn>
-                              </p:par>
-                            </p:childTnLst>
-                          </p:cTn>
-                        </p:par>
                       </p:childTnLst>
                     </p:cTn>
                   </p:par>
@@ -20545,10 +19746,6 @@
         </p:cTn>
       </p:par>
     </p:tnLst>
-    <p:bldLst>
-      <p:bldP spid="10" grpId="0"/>
-      <p:bldP spid="10" grpId="1"/>
-    </p:bldLst>
   </p:timing>
 </p:sld>
 </file>
@@ -20570,317 +19767,6 @@
           <a:chExt cx="0" cy="0"/>
         </a:xfrm>
       </p:grpSpPr>
-      <p:grpSp>
-        <p:nvGrpSpPr>
-          <p:cNvPr id="2" name="组合 1"/>
-          <p:cNvGrpSpPr/>
-          <p:nvPr/>
-        </p:nvGrpSpPr>
-        <p:grpSpPr>
-          <a:xfrm>
-            <a:off x="10096848" y="3867424"/>
-            <a:ext cx="4190124" cy="692933"/>
-            <a:chOff x="10096848" y="3867424"/>
-            <a:chExt cx="4190124" cy="692933"/>
-          </a:xfrm>
-        </p:grpSpPr>
-        <p:sp>
-          <p:nvSpPr>
-            <p:cNvPr id="36" name="Rectangle 35"/>
-            <p:cNvSpPr/>
-            <p:nvPr/>
-          </p:nvSpPr>
-          <p:spPr>
-            <a:xfrm>
-              <a:off x="10096848" y="3867424"/>
-              <a:ext cx="4190124" cy="692933"/>
-            </a:xfrm>
-            <a:prstGeom prst="rect">
-              <a:avLst/>
-            </a:prstGeom>
-            <a:noFill/>
-            <a:ln w="57150">
-              <a:solidFill>
-                <a:srgbClr val="4CA0B4"/>
-              </a:solidFill>
-            </a:ln>
-          </p:spPr>
-          <p:style>
-            <a:lnRef idx="2">
-              <a:schemeClr val="accent1">
-                <a:shade val="50000"/>
-              </a:schemeClr>
-            </a:lnRef>
-            <a:fillRef idx="1">
-              <a:schemeClr val="accent1"/>
-            </a:fillRef>
-            <a:effectRef idx="0">
-              <a:schemeClr val="accent1"/>
-            </a:effectRef>
-            <a:fontRef idx="minor">
-              <a:schemeClr val="lt1"/>
-            </a:fontRef>
-          </p:style>
-          <p:txBody>
-            <a:bodyPr rtlCol="0" anchor="ctr"/>
-            <a:lstStyle/>
-            <a:p>
-              <a:pPr algn="ctr"/>
-              <a:endParaRPr lang="en-US"/>
-            </a:p>
-          </p:txBody>
-        </p:sp>
-        <p:sp>
-          <p:nvSpPr>
-            <p:cNvPr id="37" name="TextBox 36"/>
-            <p:cNvSpPr txBox="1"/>
-            <p:nvPr/>
-          </p:nvSpPr>
-          <p:spPr>
-            <a:xfrm>
-              <a:off x="11016331" y="3967944"/>
-              <a:ext cx="2345001" cy="523220"/>
-            </a:xfrm>
-            <a:prstGeom prst="rect">
-              <a:avLst/>
-            </a:prstGeom>
-            <a:noFill/>
-          </p:spPr>
-          <p:txBody>
-            <a:bodyPr wrap="none" rtlCol="0" anchor="ctr" anchorCtr="0">
-              <a:spAutoFit/>
-            </a:bodyPr>
-            <a:lstStyle/>
-            <a:p>
-              <a:pPr algn="ctr"/>
-              <a:r>
-                <a:rPr lang="en-US" sz="2800" b="1" dirty="0">
-                  <a:solidFill>
-                    <a:schemeClr val="tx2"/>
-                  </a:solidFill>
-                  <a:latin typeface="Poppins SemiBold" charset="0"/>
-                  <a:ea typeface="Poppins SemiBold" charset="0"/>
-                  <a:cs typeface="Poppins SemiBold" charset="0"/>
-                </a:rPr>
-                <a:t>OUR SRORY</a:t>
-              </a:r>
-            </a:p>
-          </p:txBody>
-        </p:sp>
-      </p:grpSp>
-      <p:grpSp>
-        <p:nvGrpSpPr>
-          <p:cNvPr id="4" name="组合 3"/>
-          <p:cNvGrpSpPr/>
-          <p:nvPr/>
-        </p:nvGrpSpPr>
-        <p:grpSpPr>
-          <a:xfrm>
-            <a:off x="11039707" y="4560357"/>
-            <a:ext cx="2273052" cy="9155643"/>
-            <a:chOff x="11039707" y="4560357"/>
-            <a:chExt cx="2273052" cy="9155643"/>
-          </a:xfrm>
-        </p:grpSpPr>
-        <p:cxnSp>
-          <p:nvCxnSpPr>
-            <p:cNvPr id="3" name="Straight Connector 2"/>
-            <p:cNvCxnSpPr>
-              <a:stCxn id="36" idx="2"/>
-            </p:cNvCxnSpPr>
-            <p:nvPr/>
-          </p:nvCxnSpPr>
-          <p:spPr>
-            <a:xfrm>
-              <a:off x="12191910" y="4560357"/>
-              <a:ext cx="49403" cy="9155643"/>
-            </a:xfrm>
-            <a:prstGeom prst="line">
-              <a:avLst/>
-            </a:prstGeom>
-            <a:ln w="28575">
-              <a:solidFill>
-                <a:srgbClr val="4CA0B4"/>
-              </a:solidFill>
-            </a:ln>
-          </p:spPr>
-          <p:style>
-            <a:lnRef idx="1">
-              <a:schemeClr val="accent1"/>
-            </a:lnRef>
-            <a:fillRef idx="0">
-              <a:schemeClr val="accent1"/>
-            </a:fillRef>
-            <a:effectRef idx="0">
-              <a:schemeClr val="accent1"/>
-            </a:effectRef>
-            <a:fontRef idx="minor">
-              <a:schemeClr val="tx1"/>
-            </a:fontRef>
-          </p:style>
-        </p:cxnSp>
-        <p:sp>
-          <p:nvSpPr>
-            <p:cNvPr id="5" name="Oval 4"/>
-            <p:cNvSpPr/>
-            <p:nvPr/>
-          </p:nvSpPr>
-          <p:spPr>
-            <a:xfrm>
-              <a:off x="12102724" y="8474925"/>
-              <a:ext cx="223024" cy="223024"/>
-            </a:xfrm>
-            <a:prstGeom prst="ellipse">
-              <a:avLst/>
-            </a:prstGeom>
-            <a:solidFill>
-              <a:srgbClr val="4CA0B4"/>
-            </a:solidFill>
-            <a:ln>
-              <a:noFill/>
-            </a:ln>
-          </p:spPr>
-          <p:style>
-            <a:lnRef idx="2">
-              <a:schemeClr val="accent1">
-                <a:shade val="50000"/>
-              </a:schemeClr>
-            </a:lnRef>
-            <a:fillRef idx="1">
-              <a:schemeClr val="accent1"/>
-            </a:fillRef>
-            <a:effectRef idx="0">
-              <a:schemeClr val="accent1"/>
-            </a:effectRef>
-            <a:fontRef idx="minor">
-              <a:schemeClr val="lt1"/>
-            </a:fontRef>
-          </p:style>
-          <p:txBody>
-            <a:bodyPr rtlCol="0" anchor="ctr"/>
-            <a:lstStyle/>
-            <a:p>
-              <a:pPr algn="ctr"/>
-              <a:endParaRPr lang="en-US"/>
-            </a:p>
-          </p:txBody>
-        </p:sp>
-        <p:cxnSp>
-          <p:nvCxnSpPr>
-            <p:cNvPr id="8" name="Straight Connector 7"/>
-            <p:cNvCxnSpPr/>
-            <p:nvPr/>
-          </p:nvCxnSpPr>
-          <p:spPr>
-            <a:xfrm>
-              <a:off x="12249742" y="11106613"/>
-              <a:ext cx="1063017" cy="0"/>
-            </a:xfrm>
-            <a:prstGeom prst="line">
-              <a:avLst/>
-            </a:prstGeom>
-            <a:ln w="28575">
-              <a:solidFill>
-                <a:srgbClr val="4CA0B4"/>
-              </a:solidFill>
-            </a:ln>
-          </p:spPr>
-          <p:style>
-            <a:lnRef idx="1">
-              <a:schemeClr val="accent1"/>
-            </a:lnRef>
-            <a:fillRef idx="0">
-              <a:schemeClr val="accent1"/>
-            </a:fillRef>
-            <a:effectRef idx="0">
-              <a:schemeClr val="accent1"/>
-            </a:effectRef>
-            <a:fontRef idx="minor">
-              <a:schemeClr val="tx1"/>
-            </a:fontRef>
-          </p:style>
-        </p:cxnSp>
-        <p:cxnSp>
-          <p:nvCxnSpPr>
-            <p:cNvPr id="21" name="Straight Connector 20"/>
-            <p:cNvCxnSpPr/>
-            <p:nvPr/>
-          </p:nvCxnSpPr>
-          <p:spPr>
-            <a:xfrm>
-              <a:off x="11039707" y="8586437"/>
-              <a:ext cx="1063017" cy="0"/>
-            </a:xfrm>
-            <a:prstGeom prst="line">
-              <a:avLst/>
-            </a:prstGeom>
-            <a:ln w="28575">
-              <a:solidFill>
-                <a:srgbClr val="4CA0B4"/>
-              </a:solidFill>
-            </a:ln>
-          </p:spPr>
-          <p:style>
-            <a:lnRef idx="1">
-              <a:schemeClr val="accent1"/>
-            </a:lnRef>
-            <a:fillRef idx="0">
-              <a:schemeClr val="accent1"/>
-            </a:fillRef>
-            <a:effectRef idx="0">
-              <a:schemeClr val="accent1"/>
-            </a:effectRef>
-            <a:fontRef idx="minor">
-              <a:schemeClr val="tx1"/>
-            </a:fontRef>
-          </p:style>
-        </p:cxnSp>
-      </p:grpSp>
-      <p:sp>
-        <p:nvSpPr>
-          <p:cNvPr id="22" name="TextBox 21"/>
-          <p:cNvSpPr txBox="1"/>
-          <p:nvPr/>
-        </p:nvSpPr>
-        <p:spPr>
-          <a:xfrm>
-            <a:off x="16041111" y="8266394"/>
-            <a:ext cx="803425" cy="461665"/>
-          </a:xfrm>
-          <a:prstGeom prst="rect">
-            <a:avLst/>
-          </a:prstGeom>
-          <a:noFill/>
-        </p:spPr>
-        <p:txBody>
-          <a:bodyPr wrap="none" rtlCol="0" anchor="ctr" anchorCtr="0">
-            <a:spAutoFit/>
-          </a:bodyPr>
-          <a:lstStyle/>
-          <a:p>
-            <a:pPr algn="ctr"/>
-            <a:r>
-              <a:rPr lang="zh-CN" altLang="en-US" sz="2400" b="1" dirty="0">
-                <a:solidFill>
-                  <a:schemeClr val="tx2"/>
-                </a:solidFill>
-                <a:latin typeface="Poppins SemiBold" charset="0"/>
-                <a:ea typeface="Poppins SemiBold" charset="0"/>
-                <a:cs typeface="Poppins SemiBold" charset="0"/>
-              </a:rPr>
-              <a:t>音游</a:t>
-            </a:r>
-            <a:endParaRPr lang="en-US" sz="2400" b="1" dirty="0">
-              <a:solidFill>
-                <a:schemeClr val="tx2"/>
-              </a:solidFill>
-              <a:latin typeface="Poppins SemiBold" charset="0"/>
-              <a:ea typeface="Poppins SemiBold" charset="0"/>
-              <a:cs typeface="Poppins SemiBold" charset="0"/>
-            </a:endParaRPr>
-          </a:p>
-        </p:txBody>
-      </p:sp>
       <p:grpSp>
         <p:nvGrpSpPr>
           <p:cNvPr id="16" name="组合 15"/>
@@ -20927,7 +19813,7 @@
                   <a:ea typeface="等线" panose="02010600030101010101" pitchFamily="2" charset="-122"/>
                   <a:cs typeface="Lato Black" charset="0"/>
                 </a:rPr>
-                <a:t>项目介绍</a:t>
+                <a:t>项目演示</a:t>
               </a:r>
               <a:endParaRPr lang="en-US" sz="8400" dirty="0">
                 <a:solidFill>
@@ -21013,287 +19899,6 @@
           </p:style>
         </p:cxnSp>
       </p:grpSp>
-      <p:grpSp>
-        <p:nvGrpSpPr>
-          <p:cNvPr id="6" name="组合 5"/>
-          <p:cNvGrpSpPr/>
-          <p:nvPr/>
-        </p:nvGrpSpPr>
-        <p:grpSpPr>
-          <a:xfrm>
-            <a:off x="4823437" y="5778956"/>
-            <a:ext cx="6287925" cy="6577888"/>
-            <a:chOff x="4823437" y="5778956"/>
-            <a:chExt cx="6287925" cy="6577888"/>
-          </a:xfrm>
-        </p:grpSpPr>
-        <p:sp>
-          <p:nvSpPr>
-            <p:cNvPr id="17" name="TextBox 16"/>
-            <p:cNvSpPr txBox="1"/>
-            <p:nvPr/>
-          </p:nvSpPr>
-          <p:spPr>
-            <a:xfrm>
-              <a:off x="7097568" y="5778956"/>
-              <a:ext cx="1731564" cy="461665"/>
-            </a:xfrm>
-            <a:prstGeom prst="rect">
-              <a:avLst/>
-            </a:prstGeom>
-            <a:noFill/>
-          </p:spPr>
-          <p:txBody>
-            <a:bodyPr wrap="none" rtlCol="0" anchor="ctr" anchorCtr="0">
-              <a:spAutoFit/>
-            </a:bodyPr>
-            <a:lstStyle/>
-            <a:p>
-              <a:pPr algn="ctr"/>
-              <a:r>
-                <a:rPr lang="zh-CN" altLang="en-US" sz="2400" b="1" dirty="0">
-                  <a:solidFill>
-                    <a:schemeClr val="tx2"/>
-                  </a:solidFill>
-                  <a:latin typeface="Poppins SemiBold" charset="0"/>
-                  <a:ea typeface="Poppins SemiBold" charset="0"/>
-                  <a:cs typeface="Poppins SemiBold" charset="0"/>
-                </a:rPr>
-                <a:t>微信小程序</a:t>
-              </a:r>
-              <a:endParaRPr lang="en-US" sz="2400" b="1" dirty="0">
-                <a:solidFill>
-                  <a:schemeClr val="tx2"/>
-                </a:solidFill>
-                <a:latin typeface="Poppins SemiBold" charset="0"/>
-                <a:ea typeface="Poppins SemiBold" charset="0"/>
-                <a:cs typeface="Poppins SemiBold" charset="0"/>
-              </a:endParaRPr>
-            </a:p>
-          </p:txBody>
-        </p:sp>
-        <p:sp>
-          <p:nvSpPr>
-            <p:cNvPr id="23" name="文本框 22"/>
-            <p:cNvSpPr txBox="1"/>
-            <p:nvPr/>
-          </p:nvSpPr>
-          <p:spPr>
-            <a:xfrm>
-              <a:off x="4823437" y="10933890"/>
-              <a:ext cx="6287925" cy="1422954"/>
-            </a:xfrm>
-            <a:prstGeom prst="rect">
-              <a:avLst/>
-            </a:prstGeom>
-            <a:noFill/>
-          </p:spPr>
-          <p:txBody>
-            <a:bodyPr wrap="square" rtlCol="0">
-              <a:spAutoFit/>
-            </a:bodyPr>
-            <a:lstStyle>
-              <a:defPPr>
-                <a:defRPr lang="zh-CN"/>
-              </a:defPPr>
-              <a:lvl1pPr marL="0" algn="l" defTabSz="914400" rtl="0" eaLnBrk="1" latinLnBrk="0" hangingPunct="1">
-                <a:defRPr sz="1800" kern="1200">
-                  <a:solidFill>
-                    <a:schemeClr val="tx1"/>
-                  </a:solidFill>
-                  <a:latin typeface="+mn-lt"/>
-                  <a:ea typeface="+mn-ea"/>
-                  <a:cs typeface="+mn-cs"/>
-                </a:defRPr>
-              </a:lvl1pPr>
-              <a:lvl2pPr marL="457200" algn="l" defTabSz="914400" rtl="0" eaLnBrk="1" latinLnBrk="0" hangingPunct="1">
-                <a:defRPr sz="1800" kern="1200">
-                  <a:solidFill>
-                    <a:schemeClr val="tx1"/>
-                  </a:solidFill>
-                  <a:latin typeface="+mn-lt"/>
-                  <a:ea typeface="+mn-ea"/>
-                  <a:cs typeface="+mn-cs"/>
-                </a:defRPr>
-              </a:lvl2pPr>
-              <a:lvl3pPr marL="914400" algn="l" defTabSz="914400" rtl="0" eaLnBrk="1" latinLnBrk="0" hangingPunct="1">
-                <a:defRPr sz="1800" kern="1200">
-                  <a:solidFill>
-                    <a:schemeClr val="tx1"/>
-                  </a:solidFill>
-                  <a:latin typeface="+mn-lt"/>
-                  <a:ea typeface="+mn-ea"/>
-                  <a:cs typeface="+mn-cs"/>
-                </a:defRPr>
-              </a:lvl3pPr>
-              <a:lvl4pPr marL="1371600" algn="l" defTabSz="914400" rtl="0" eaLnBrk="1" latinLnBrk="0" hangingPunct="1">
-                <a:defRPr sz="1800" kern="1200">
-                  <a:solidFill>
-                    <a:schemeClr val="tx1"/>
-                  </a:solidFill>
-                  <a:latin typeface="+mn-lt"/>
-                  <a:ea typeface="+mn-ea"/>
-                  <a:cs typeface="+mn-cs"/>
-                </a:defRPr>
-              </a:lvl4pPr>
-              <a:lvl5pPr marL="1828800" algn="l" defTabSz="914400" rtl="0" eaLnBrk="1" latinLnBrk="0" hangingPunct="1">
-                <a:defRPr sz="1800" kern="1200">
-                  <a:solidFill>
-                    <a:schemeClr val="tx1"/>
-                  </a:solidFill>
-                  <a:latin typeface="+mn-lt"/>
-                  <a:ea typeface="+mn-ea"/>
-                  <a:cs typeface="+mn-cs"/>
-                </a:defRPr>
-              </a:lvl5pPr>
-              <a:lvl6pPr marL="2286000" algn="l" defTabSz="914400" rtl="0" eaLnBrk="1" latinLnBrk="0" hangingPunct="1">
-                <a:defRPr sz="1800" kern="1200">
-                  <a:solidFill>
-                    <a:schemeClr val="tx1"/>
-                  </a:solidFill>
-                  <a:latin typeface="+mn-lt"/>
-                  <a:ea typeface="+mn-ea"/>
-                  <a:cs typeface="+mn-cs"/>
-                </a:defRPr>
-              </a:lvl6pPr>
-              <a:lvl7pPr marL="2743200" algn="l" defTabSz="914400" rtl="0" eaLnBrk="1" latinLnBrk="0" hangingPunct="1">
-                <a:defRPr sz="1800" kern="1200">
-                  <a:solidFill>
-                    <a:schemeClr val="tx1"/>
-                  </a:solidFill>
-                  <a:latin typeface="+mn-lt"/>
-                  <a:ea typeface="+mn-ea"/>
-                  <a:cs typeface="+mn-cs"/>
-                </a:defRPr>
-              </a:lvl7pPr>
-              <a:lvl8pPr marL="3200400" algn="l" defTabSz="914400" rtl="0" eaLnBrk="1" latinLnBrk="0" hangingPunct="1">
-                <a:defRPr sz="1800" kern="1200">
-                  <a:solidFill>
-                    <a:schemeClr val="tx1"/>
-                  </a:solidFill>
-                  <a:latin typeface="+mn-lt"/>
-                  <a:ea typeface="+mn-ea"/>
-                  <a:cs typeface="+mn-cs"/>
-                </a:defRPr>
-              </a:lvl8pPr>
-              <a:lvl9pPr marL="3657600" algn="l" defTabSz="914400" rtl="0" eaLnBrk="1" latinLnBrk="0" hangingPunct="1">
-                <a:defRPr sz="1800" kern="1200">
-                  <a:solidFill>
-                    <a:schemeClr val="tx1"/>
-                  </a:solidFill>
-                  <a:latin typeface="+mn-lt"/>
-                  <a:ea typeface="+mn-ea"/>
-                  <a:cs typeface="+mn-cs"/>
-                </a:defRPr>
-              </a:lvl9pPr>
-            </a:lstStyle>
-            <a:p>
-              <a:pPr>
-                <a:lnSpc>
-                  <a:spcPct val="150000"/>
-                </a:lnSpc>
-              </a:pPr>
-              <a:r>
-                <a:rPr lang="zh-CN" altLang="en-US" sz="2000" dirty="0">
-                  <a:solidFill>
-                    <a:prstClr val="black">
-                      <a:lumMod val="75000"/>
-                      <a:lumOff val="25000"/>
-                    </a:prstClr>
-                  </a:solidFill>
-                  <a:latin typeface="方正黑体简体" panose="02010601030101010101" pitchFamily="2" charset="-122"/>
-                  <a:ea typeface="方正黑体简体" panose="02010601030101010101" pitchFamily="2" charset="-122"/>
-                  <a:cs typeface="+mn-ea"/>
-                  <a:sym typeface="+mn-lt"/>
-                </a:rPr>
-                <a:t>由微信所公开的开发者手册，我们简易且大致的了解到微信小程序的开发方式和申请手段。通过组员的一致决定，选择了小程序为我们的主要目标。</a:t>
-              </a:r>
-            </a:p>
-          </p:txBody>
-        </p:sp>
-      </p:grpSp>
-      <p:pic>
-        <p:nvPicPr>
-          <p:cNvPr id="7" name="图片占位符 6"/>
-          <p:cNvPicPr>
-            <a:picLocks noGrp="1" noChangeAspect="1"/>
-          </p:cNvPicPr>
-          <p:nvPr>
-            <p:ph type="pic" sz="quarter" idx="18"/>
-          </p:nvPr>
-        </p:nvPicPr>
-        <p:blipFill>
-          <a:blip r:embed="rId3" cstate="email">
-            <a:extLst>
-              <a:ext uri="{28A0092B-C50C-407E-A947-70E740481C1C}">
-                <a14:useLocalDpi xmlns:a14="http://schemas.microsoft.com/office/drawing/2010/main" val="0"/>
-              </a:ext>
-            </a:extLst>
-          </a:blip>
-          <a:srcRect t="9310" b="9310"/>
-          <a:stretch>
-            <a:fillRect/>
-          </a:stretch>
-        </p:blipFill>
-        <p:spPr/>
-      </p:pic>
-      <p:sp>
-        <p:nvSpPr>
-          <p:cNvPr id="15" name="图片占位符 14">
-            <a:extLst>
-              <a:ext uri="{FF2B5EF4-FFF2-40B4-BE49-F238E27FC236}">
-                <a16:creationId xmlns:a16="http://schemas.microsoft.com/office/drawing/2014/main" id="{D84EBF53-F936-4B54-B167-F302C78E5430}"/>
-              </a:ext>
-            </a:extLst>
-          </p:cNvPr>
-          <p:cNvSpPr>
-            <a:spLocks noGrp="1"/>
-          </p:cNvSpPr>
-          <p:nvPr>
-            <p:ph type="pic" sz="quarter" idx="17"/>
-          </p:nvPr>
-        </p:nvSpPr>
-        <p:spPr/>
-      </p:sp>
-      <p:pic>
-        <p:nvPicPr>
-          <p:cNvPr id="28" name="图片 27">
-            <a:extLst>
-              <a:ext uri="{FF2B5EF4-FFF2-40B4-BE49-F238E27FC236}">
-                <a16:creationId xmlns:a16="http://schemas.microsoft.com/office/drawing/2014/main" id="{050BF334-E7D9-439F-9E51-78E193F7FF80}"/>
-              </a:ext>
-            </a:extLst>
-          </p:cNvPr>
-          <p:cNvPicPr/>
-          <p:nvPr/>
-        </p:nvPicPr>
-        <p:blipFill>
-          <a:blip r:embed="rId4" cstate="email">
-            <a:extLst>
-              <a:ext uri="{28A0092B-C50C-407E-A947-70E740481C1C}">
-                <a14:useLocalDpi xmlns:a14="http://schemas.microsoft.com/office/drawing/2010/main" val="0"/>
-              </a:ext>
-            </a:extLst>
-          </a:blip>
-          <a:srcRect/>
-          <a:stretch>
-            <a:fillRect/>
-          </a:stretch>
-        </p:blipFill>
-        <p:spPr bwMode="auto">
-          <a:xfrm>
-            <a:off x="13312759" y="9088242"/>
-            <a:ext cx="6241454" cy="4036742"/>
-          </a:xfrm>
-          <a:prstGeom prst="rect">
-            <a:avLst/>
-          </a:prstGeom>
-          <a:noFill/>
-          <a:ln>
-            <a:noFill/>
-          </a:ln>
-        </p:spPr>
-      </p:pic>
     </p:spTree>
     <p:extLst>
       <p:ext uri="{BB962C8B-B14F-4D97-AF65-F5344CB8AC3E}">
@@ -21316,325 +19921,6 @@
       </p:transition>
     </mc:Fallback>
   </mc:AlternateContent>
-  <p:timing>
-    <p:tnLst>
-      <p:par>
-        <p:cTn id="1" dur="indefinite" restart="never" nodeType="tmRoot">
-          <p:childTnLst>
-            <p:seq concurrent="1" nextAc="seek">
-              <p:cTn id="2" dur="indefinite" nodeType="mainSeq">
-                <p:childTnLst>
-                  <p:par>
-                    <p:cTn id="3" fill="hold">
-                      <p:stCondLst>
-                        <p:cond delay="indefinite"/>
-                        <p:cond evt="onBegin" delay="0">
-                          <p:tn val="2"/>
-                        </p:cond>
-                      </p:stCondLst>
-                      <p:childTnLst>
-                        <p:par>
-                          <p:cTn id="4" fill="hold">
-                            <p:stCondLst>
-                              <p:cond delay="0"/>
-                            </p:stCondLst>
-                            <p:childTnLst>
-                              <p:par>
-                                <p:cTn id="5" presetID="14" presetClass="entr" presetSubtype="10" fill="hold" nodeType="afterEffect">
-                                  <p:stCondLst>
-                                    <p:cond delay="0"/>
-                                  </p:stCondLst>
-                                  <p:childTnLst>
-                                    <p:set>
-                                      <p:cBhvr>
-                                        <p:cTn id="6" dur="1" fill="hold">
-                                          <p:stCondLst>
-                                            <p:cond delay="0"/>
-                                          </p:stCondLst>
-                                        </p:cTn>
-                                        <p:tgtEl>
-                                          <p:spTgt spid="2"/>
-                                        </p:tgtEl>
-                                        <p:attrNameLst>
-                                          <p:attrName>style.visibility</p:attrName>
-                                        </p:attrNameLst>
-                                      </p:cBhvr>
-                                      <p:to>
-                                        <p:strVal val="visible"/>
-                                      </p:to>
-                                    </p:set>
-                                    <p:animEffect transition="in" filter="randombar(horizontal)">
-                                      <p:cBhvr>
-                                        <p:cTn id="7" dur="500"/>
-                                        <p:tgtEl>
-                                          <p:spTgt spid="2"/>
-                                        </p:tgtEl>
-                                      </p:cBhvr>
-                                    </p:animEffect>
-                                  </p:childTnLst>
-                                </p:cTn>
-                              </p:par>
-                            </p:childTnLst>
-                          </p:cTn>
-                        </p:par>
-                        <p:par>
-                          <p:cTn id="8" fill="hold">
-                            <p:stCondLst>
-                              <p:cond delay="500"/>
-                            </p:stCondLst>
-                            <p:childTnLst>
-                              <p:par>
-                                <p:cTn id="9" presetID="22" presetClass="entr" presetSubtype="1" fill="hold" nodeType="afterEffect">
-                                  <p:stCondLst>
-                                    <p:cond delay="0"/>
-                                  </p:stCondLst>
-                                  <p:childTnLst>
-                                    <p:set>
-                                      <p:cBhvr>
-                                        <p:cTn id="10" dur="1" fill="hold">
-                                          <p:stCondLst>
-                                            <p:cond delay="0"/>
-                                          </p:stCondLst>
-                                        </p:cTn>
-                                        <p:tgtEl>
-                                          <p:spTgt spid="4"/>
-                                        </p:tgtEl>
-                                        <p:attrNameLst>
-                                          <p:attrName>style.visibility</p:attrName>
-                                        </p:attrNameLst>
-                                      </p:cBhvr>
-                                      <p:to>
-                                        <p:strVal val="visible"/>
-                                      </p:to>
-                                    </p:set>
-                                    <p:animEffect transition="in" filter="wipe(up)">
-                                      <p:cBhvr>
-                                        <p:cTn id="11" dur="750"/>
-                                        <p:tgtEl>
-                                          <p:spTgt spid="4"/>
-                                        </p:tgtEl>
-                                      </p:cBhvr>
-                                    </p:animEffect>
-                                  </p:childTnLst>
-                                </p:cTn>
-                              </p:par>
-                            </p:childTnLst>
-                          </p:cTn>
-                        </p:par>
-                      </p:childTnLst>
-                    </p:cTn>
-                  </p:par>
-                  <p:par>
-                    <p:cTn id="12" fill="hold">
-                      <p:stCondLst>
-                        <p:cond delay="indefinite"/>
-                      </p:stCondLst>
-                      <p:childTnLst>
-                        <p:par>
-                          <p:cTn id="13" fill="hold">
-                            <p:stCondLst>
-                              <p:cond delay="0"/>
-                            </p:stCondLst>
-                            <p:childTnLst>
-                              <p:par>
-                                <p:cTn id="14" presetID="10" presetClass="entr" presetSubtype="0" fill="hold" nodeType="clickEffect">
-                                  <p:stCondLst>
-                                    <p:cond delay="0"/>
-                                  </p:stCondLst>
-                                  <p:childTnLst>
-                                    <p:set>
-                                      <p:cBhvr>
-                                        <p:cTn id="15" dur="1" fill="hold">
-                                          <p:stCondLst>
-                                            <p:cond delay="0"/>
-                                          </p:stCondLst>
-                                        </p:cTn>
-                                        <p:tgtEl>
-                                          <p:spTgt spid="28"/>
-                                        </p:tgtEl>
-                                        <p:attrNameLst>
-                                          <p:attrName>style.visibility</p:attrName>
-                                        </p:attrNameLst>
-                                      </p:cBhvr>
-                                      <p:to>
-                                        <p:strVal val="visible"/>
-                                      </p:to>
-                                    </p:set>
-                                    <p:animEffect transition="in" filter="fade">
-                                      <p:cBhvr>
-                                        <p:cTn id="16" dur="500"/>
-                                        <p:tgtEl>
-                                          <p:spTgt spid="28"/>
-                                        </p:tgtEl>
-                                      </p:cBhvr>
-                                    </p:animEffect>
-                                  </p:childTnLst>
-                                </p:cTn>
-                              </p:par>
-                            </p:childTnLst>
-                          </p:cTn>
-                        </p:par>
-                        <p:par>
-                          <p:cTn id="17" fill="hold">
-                            <p:stCondLst>
-                              <p:cond delay="500"/>
-                            </p:stCondLst>
-                            <p:childTnLst>
-                              <p:par>
-                                <p:cTn id="18" presetID="14" presetClass="entr" presetSubtype="10" fill="hold" nodeType="afterEffect">
-                                  <p:stCondLst>
-                                    <p:cond delay="0"/>
-                                  </p:stCondLst>
-                                  <p:childTnLst>
-                                    <p:set>
-                                      <p:cBhvr>
-                                        <p:cTn id="19" dur="1" fill="hold">
-                                          <p:stCondLst>
-                                            <p:cond delay="0"/>
-                                          </p:stCondLst>
-                                        </p:cTn>
-                                        <p:tgtEl>
-                                          <p:spTgt spid="7"/>
-                                        </p:tgtEl>
-                                        <p:attrNameLst>
-                                          <p:attrName>style.visibility</p:attrName>
-                                        </p:attrNameLst>
-                                      </p:cBhvr>
-                                      <p:to>
-                                        <p:strVal val="visible"/>
-                                      </p:to>
-                                    </p:set>
-                                    <p:animEffect transition="in" filter="randombar(horizontal)">
-                                      <p:cBhvr>
-                                        <p:cTn id="20" dur="500"/>
-                                        <p:tgtEl>
-                                          <p:spTgt spid="7"/>
-                                        </p:tgtEl>
-                                      </p:cBhvr>
-                                    </p:animEffect>
-                                  </p:childTnLst>
-                                </p:cTn>
-                              </p:par>
-                            </p:childTnLst>
-                          </p:cTn>
-                        </p:par>
-                        <p:par>
-                          <p:cTn id="21" fill="hold">
-                            <p:stCondLst>
-                              <p:cond delay="1000"/>
-                            </p:stCondLst>
-                            <p:childTnLst>
-                              <p:par>
-                                <p:cTn id="22" presetID="14" presetClass="entr" presetSubtype="10" fill="hold" nodeType="afterEffect">
-                                  <p:stCondLst>
-                                    <p:cond delay="0"/>
-                                  </p:stCondLst>
-                                  <p:childTnLst>
-                                    <p:set>
-                                      <p:cBhvr>
-                                        <p:cTn id="23" dur="1" fill="hold">
-                                          <p:stCondLst>
-                                            <p:cond delay="0"/>
-                                          </p:stCondLst>
-                                        </p:cTn>
-                                        <p:tgtEl>
-                                          <p:spTgt spid="6"/>
-                                        </p:tgtEl>
-                                        <p:attrNameLst>
-                                          <p:attrName>style.visibility</p:attrName>
-                                        </p:attrNameLst>
-                                      </p:cBhvr>
-                                      <p:to>
-                                        <p:strVal val="visible"/>
-                                      </p:to>
-                                    </p:set>
-                                    <p:animEffect transition="in" filter="randombar(horizontal)">
-                                      <p:cBhvr>
-                                        <p:cTn id="24" dur="500"/>
-                                        <p:tgtEl>
-                                          <p:spTgt spid="6"/>
-                                        </p:tgtEl>
-                                      </p:cBhvr>
-                                    </p:animEffect>
-                                  </p:childTnLst>
-                                </p:cTn>
-                              </p:par>
-                            </p:childTnLst>
-                          </p:cTn>
-                        </p:par>
-                        <p:par>
-                          <p:cTn id="25" fill="hold">
-                            <p:stCondLst>
-                              <p:cond delay="1500"/>
-                            </p:stCondLst>
-                            <p:childTnLst>
-                              <p:par>
-                                <p:cTn id="26" presetID="14" presetClass="entr" presetSubtype="10" fill="hold" grpId="0" nodeType="afterEffect">
-                                  <p:stCondLst>
-                                    <p:cond delay="0"/>
-                                  </p:stCondLst>
-                                  <p:childTnLst>
-                                    <p:set>
-                                      <p:cBhvr>
-                                        <p:cTn id="27" dur="1" fill="hold">
-                                          <p:stCondLst>
-                                            <p:cond delay="0"/>
-                                          </p:stCondLst>
-                                        </p:cTn>
-                                        <p:tgtEl>
-                                          <p:spTgt spid="22"/>
-                                        </p:tgtEl>
-                                        <p:attrNameLst>
-                                          <p:attrName>style.visibility</p:attrName>
-                                        </p:attrNameLst>
-                                      </p:cBhvr>
-                                      <p:to>
-                                        <p:strVal val="visible"/>
-                                      </p:to>
-                                    </p:set>
-                                    <p:animEffect transition="in" filter="randombar(horizontal)">
-                                      <p:cBhvr>
-                                        <p:cTn id="28" dur="500"/>
-                                        <p:tgtEl>
-                                          <p:spTgt spid="22"/>
-                                        </p:tgtEl>
-                                      </p:cBhvr>
-                                    </p:animEffect>
-                                  </p:childTnLst>
-                                </p:cTn>
-                              </p:par>
-                            </p:childTnLst>
-                          </p:cTn>
-                        </p:par>
-                      </p:childTnLst>
-                    </p:cTn>
-                  </p:par>
-                </p:childTnLst>
-              </p:cTn>
-              <p:prevCondLst>
-                <p:cond evt="onPrev" delay="0">
-                  <p:tgtEl>
-                    <p:sldTgt/>
-                  </p:tgtEl>
-                </p:cond>
-              </p:prevCondLst>
-              <p:nextCondLst>
-                <p:cond evt="onNext" delay="0">
-                  <p:tgtEl>
-                    <p:sldTgt/>
-                  </p:tgtEl>
-                </p:cond>
-              </p:nextCondLst>
-            </p:seq>
-          </p:childTnLst>
-        </p:cTn>
-      </p:par>
-    </p:tnLst>
-    <p:bldLst>
-      <p:bldP spid="22" grpId="0"/>
-      <p:bldP spid="23" grpId="0"/>
-    </p:bldLst>
-  </p:timing>
 </p:sld>
 </file>
 
@@ -21655,1067 +19941,6 @@
           <a:chExt cx="0" cy="0"/>
         </a:xfrm>
       </p:grpSpPr>
-      <p:grpSp>
-        <p:nvGrpSpPr>
-          <p:cNvPr id="2" name="组合 1"/>
-          <p:cNvGrpSpPr/>
-          <p:nvPr/>
-        </p:nvGrpSpPr>
-        <p:grpSpPr>
-          <a:xfrm>
-            <a:off x="11039707" y="0"/>
-            <a:ext cx="2273052" cy="10471485"/>
-            <a:chOff x="11039707" y="0"/>
-            <a:chExt cx="2273052" cy="10471485"/>
-          </a:xfrm>
-        </p:grpSpPr>
-        <p:cxnSp>
-          <p:nvCxnSpPr>
-            <p:cNvPr id="3" name="Straight Connector 2"/>
-            <p:cNvCxnSpPr>
-              <a:endCxn id="25" idx="4"/>
-            </p:cNvCxnSpPr>
-            <p:nvPr/>
-          </p:nvCxnSpPr>
-          <p:spPr>
-            <a:xfrm>
-              <a:off x="12191910" y="0"/>
-              <a:ext cx="22326" cy="10471485"/>
-            </a:xfrm>
-            <a:prstGeom prst="line">
-              <a:avLst/>
-            </a:prstGeom>
-            <a:ln w="28575">
-              <a:solidFill>
-                <a:srgbClr val="4CA0B4"/>
-              </a:solidFill>
-            </a:ln>
-          </p:spPr>
-          <p:style>
-            <a:lnRef idx="1">
-              <a:schemeClr val="accent1"/>
-            </a:lnRef>
-            <a:fillRef idx="0">
-              <a:schemeClr val="accent1"/>
-            </a:fillRef>
-            <a:effectRef idx="0">
-              <a:schemeClr val="accent1"/>
-            </a:effectRef>
-            <a:fontRef idx="minor">
-              <a:schemeClr val="tx1"/>
-            </a:fontRef>
-          </p:style>
-        </p:cxnSp>
-        <p:sp>
-          <p:nvSpPr>
-            <p:cNvPr id="5" name="Oval 4"/>
-            <p:cNvSpPr/>
-            <p:nvPr/>
-          </p:nvSpPr>
-          <p:spPr>
-            <a:xfrm>
-              <a:off x="12102724" y="6434744"/>
-              <a:ext cx="223024" cy="223024"/>
-            </a:xfrm>
-            <a:prstGeom prst="ellipse">
-              <a:avLst/>
-            </a:prstGeom>
-            <a:solidFill>
-              <a:srgbClr val="4CA0B4"/>
-            </a:solidFill>
-            <a:ln>
-              <a:noFill/>
-            </a:ln>
-          </p:spPr>
-          <p:style>
-            <a:lnRef idx="2">
-              <a:schemeClr val="accent1">
-                <a:shade val="50000"/>
-              </a:schemeClr>
-            </a:lnRef>
-            <a:fillRef idx="1">
-              <a:schemeClr val="accent1"/>
-            </a:fillRef>
-            <a:effectRef idx="0">
-              <a:schemeClr val="accent1"/>
-            </a:effectRef>
-            <a:fontRef idx="minor">
-              <a:schemeClr val="lt1"/>
-            </a:fontRef>
-          </p:style>
-          <p:txBody>
-            <a:bodyPr rtlCol="0" anchor="ctr"/>
-            <a:lstStyle/>
-            <a:p>
-              <a:pPr algn="ctr"/>
-              <a:endParaRPr lang="en-US"/>
-            </a:p>
-          </p:txBody>
-        </p:sp>
-        <p:cxnSp>
-          <p:nvCxnSpPr>
-            <p:cNvPr id="8" name="Straight Connector 7"/>
-            <p:cNvCxnSpPr/>
-            <p:nvPr/>
-          </p:nvCxnSpPr>
-          <p:spPr>
-            <a:xfrm>
-              <a:off x="12249742" y="6546256"/>
-              <a:ext cx="1063017" cy="0"/>
-            </a:xfrm>
-            <a:prstGeom prst="line">
-              <a:avLst/>
-            </a:prstGeom>
-            <a:ln w="28575">
-              <a:solidFill>
-                <a:srgbClr val="4CA0B4"/>
-              </a:solidFill>
-            </a:ln>
-          </p:spPr>
-          <p:style>
-            <a:lnRef idx="1">
-              <a:schemeClr val="accent1"/>
-            </a:lnRef>
-            <a:fillRef idx="0">
-              <a:schemeClr val="accent1"/>
-            </a:fillRef>
-            <a:effectRef idx="0">
-              <a:schemeClr val="accent1"/>
-            </a:effectRef>
-            <a:fontRef idx="minor">
-              <a:schemeClr val="tx1"/>
-            </a:fontRef>
-          </p:style>
-        </p:cxnSp>
-        <p:cxnSp>
-          <p:nvCxnSpPr>
-            <p:cNvPr id="24" name="Straight Connector 23"/>
-            <p:cNvCxnSpPr/>
-            <p:nvPr/>
-          </p:nvCxnSpPr>
-          <p:spPr>
-            <a:xfrm>
-              <a:off x="11039707" y="10359973"/>
-              <a:ext cx="1063017" cy="0"/>
-            </a:xfrm>
-            <a:prstGeom prst="line">
-              <a:avLst/>
-            </a:prstGeom>
-            <a:ln w="28575">
-              <a:solidFill>
-                <a:srgbClr val="4CA0B4"/>
-              </a:solidFill>
-            </a:ln>
-          </p:spPr>
-          <p:style>
-            <a:lnRef idx="1">
-              <a:schemeClr val="accent1"/>
-            </a:lnRef>
-            <a:fillRef idx="0">
-              <a:schemeClr val="accent1"/>
-            </a:fillRef>
-            <a:effectRef idx="0">
-              <a:schemeClr val="accent1"/>
-            </a:effectRef>
-            <a:fontRef idx="minor">
-              <a:schemeClr val="tx1"/>
-            </a:fontRef>
-          </p:style>
-        </p:cxnSp>
-        <p:sp>
-          <p:nvSpPr>
-            <p:cNvPr id="25" name="Oval 24"/>
-            <p:cNvSpPr/>
-            <p:nvPr/>
-          </p:nvSpPr>
-          <p:spPr>
-            <a:xfrm>
-              <a:off x="12102724" y="10248461"/>
-              <a:ext cx="223024" cy="223024"/>
-            </a:xfrm>
-            <a:prstGeom prst="ellipse">
-              <a:avLst/>
-            </a:prstGeom>
-            <a:solidFill>
-              <a:srgbClr val="4CA0B4"/>
-            </a:solidFill>
-            <a:ln>
-              <a:noFill/>
-            </a:ln>
-          </p:spPr>
-          <p:style>
-            <a:lnRef idx="2">
-              <a:schemeClr val="accent1">
-                <a:shade val="50000"/>
-              </a:schemeClr>
-            </a:lnRef>
-            <a:fillRef idx="1">
-              <a:schemeClr val="accent1"/>
-            </a:fillRef>
-            <a:effectRef idx="0">
-              <a:schemeClr val="accent1"/>
-            </a:effectRef>
-            <a:fontRef idx="minor">
-              <a:schemeClr val="lt1"/>
-            </a:fontRef>
-          </p:style>
-          <p:txBody>
-            <a:bodyPr rtlCol="0" anchor="ctr"/>
-            <a:lstStyle/>
-            <a:p>
-              <a:pPr algn="ctr"/>
-              <a:endParaRPr lang="en-US"/>
-            </a:p>
-          </p:txBody>
-        </p:sp>
-        <p:cxnSp>
-          <p:nvCxnSpPr>
-            <p:cNvPr id="28" name="Straight Connector 27"/>
-            <p:cNvCxnSpPr/>
-            <p:nvPr/>
-          </p:nvCxnSpPr>
-          <p:spPr>
-            <a:xfrm>
-              <a:off x="11039707" y="4026080"/>
-              <a:ext cx="1063017" cy="0"/>
-            </a:xfrm>
-            <a:prstGeom prst="line">
-              <a:avLst/>
-            </a:prstGeom>
-            <a:ln w="28575">
-              <a:solidFill>
-                <a:srgbClr val="4CA0B4"/>
-              </a:solidFill>
-            </a:ln>
-          </p:spPr>
-          <p:style>
-            <a:lnRef idx="1">
-              <a:schemeClr val="accent1"/>
-            </a:lnRef>
-            <a:fillRef idx="0">
-              <a:schemeClr val="accent1"/>
-            </a:fillRef>
-            <a:effectRef idx="0">
-              <a:schemeClr val="accent1"/>
-            </a:effectRef>
-            <a:fontRef idx="minor">
-              <a:schemeClr val="tx1"/>
-            </a:fontRef>
-          </p:style>
-        </p:cxnSp>
-        <p:sp>
-          <p:nvSpPr>
-            <p:cNvPr id="29" name="Oval 28"/>
-            <p:cNvSpPr/>
-            <p:nvPr/>
-          </p:nvSpPr>
-          <p:spPr>
-            <a:xfrm>
-              <a:off x="12102724" y="3914568"/>
-              <a:ext cx="223024" cy="223024"/>
-            </a:xfrm>
-            <a:prstGeom prst="ellipse">
-              <a:avLst/>
-            </a:prstGeom>
-            <a:solidFill>
-              <a:srgbClr val="4CA0B4"/>
-            </a:solidFill>
-            <a:ln>
-              <a:noFill/>
-            </a:ln>
-          </p:spPr>
-          <p:style>
-            <a:lnRef idx="2">
-              <a:schemeClr val="accent1">
-                <a:shade val="50000"/>
-              </a:schemeClr>
-            </a:lnRef>
-            <a:fillRef idx="1">
-              <a:schemeClr val="accent1"/>
-            </a:fillRef>
-            <a:effectRef idx="0">
-              <a:schemeClr val="accent1"/>
-            </a:effectRef>
-            <a:fontRef idx="minor">
-              <a:schemeClr val="lt1"/>
-            </a:fontRef>
-          </p:style>
-          <p:txBody>
-            <a:bodyPr rtlCol="0" anchor="ctr"/>
-            <a:lstStyle/>
-            <a:p>
-              <a:pPr algn="ctr"/>
-              <a:endParaRPr lang="en-US"/>
-            </a:p>
-          </p:txBody>
-        </p:sp>
-      </p:grpSp>
-      <p:grpSp>
-        <p:nvGrpSpPr>
-          <p:cNvPr id="4" name="组合 3"/>
-          <p:cNvGrpSpPr/>
-          <p:nvPr/>
-        </p:nvGrpSpPr>
-        <p:grpSpPr>
-          <a:xfrm>
-            <a:off x="4823437" y="1218599"/>
-            <a:ext cx="6287925" cy="5909806"/>
-            <a:chOff x="4823437" y="1218599"/>
-            <a:chExt cx="6287925" cy="5909806"/>
-          </a:xfrm>
-        </p:grpSpPr>
-        <p:sp>
-          <p:nvSpPr>
-            <p:cNvPr id="27" name="TextBox 26"/>
-            <p:cNvSpPr txBox="1"/>
-            <p:nvPr/>
-          </p:nvSpPr>
-          <p:spPr>
-            <a:xfrm>
-              <a:off x="7252256" y="1218599"/>
-              <a:ext cx="1422184" cy="461665"/>
-            </a:xfrm>
-            <a:prstGeom prst="rect">
-              <a:avLst/>
-            </a:prstGeom>
-            <a:noFill/>
-          </p:spPr>
-          <p:txBody>
-            <a:bodyPr wrap="none" rtlCol="0" anchor="ctr" anchorCtr="0">
-              <a:spAutoFit/>
-            </a:bodyPr>
-            <a:lstStyle/>
-            <a:p>
-              <a:pPr algn="ctr"/>
-              <a:r>
-                <a:rPr lang="zh-CN" altLang="en-US" sz="2400" b="1" dirty="0">
-                  <a:solidFill>
-                    <a:schemeClr val="tx2"/>
-                  </a:solidFill>
-                  <a:latin typeface="Poppins SemiBold" charset="0"/>
-                  <a:ea typeface="Poppins SemiBold" charset="0"/>
-                  <a:cs typeface="Poppins SemiBold" charset="0"/>
-                </a:rPr>
-                <a:t>操作方式</a:t>
-              </a:r>
-              <a:endParaRPr lang="en-US" sz="2400" b="1" dirty="0">
-                <a:solidFill>
-                  <a:schemeClr val="tx2"/>
-                </a:solidFill>
-                <a:latin typeface="Poppins SemiBold" charset="0"/>
-                <a:ea typeface="Poppins SemiBold" charset="0"/>
-                <a:cs typeface="Poppins SemiBold" charset="0"/>
-              </a:endParaRPr>
-            </a:p>
-          </p:txBody>
-        </p:sp>
-        <p:sp>
-          <p:nvSpPr>
-            <p:cNvPr id="17" name="文本框 16"/>
-            <p:cNvSpPr txBox="1"/>
-            <p:nvPr/>
-          </p:nvSpPr>
-          <p:spPr>
-            <a:xfrm>
-              <a:off x="4823437" y="6167116"/>
-              <a:ext cx="6287925" cy="961289"/>
-            </a:xfrm>
-            <a:prstGeom prst="rect">
-              <a:avLst/>
-            </a:prstGeom>
-            <a:noFill/>
-          </p:spPr>
-          <p:txBody>
-            <a:bodyPr wrap="square" rtlCol="0">
-              <a:spAutoFit/>
-            </a:bodyPr>
-            <a:lstStyle>
-              <a:defPPr>
-                <a:defRPr lang="zh-CN"/>
-              </a:defPPr>
-              <a:lvl1pPr marL="0" algn="l" defTabSz="914400" rtl="0" eaLnBrk="1" latinLnBrk="0" hangingPunct="1">
-                <a:defRPr sz="1800" kern="1200">
-                  <a:solidFill>
-                    <a:schemeClr val="tx1"/>
-                  </a:solidFill>
-                  <a:latin typeface="+mn-lt"/>
-                  <a:ea typeface="+mn-ea"/>
-                  <a:cs typeface="+mn-cs"/>
-                </a:defRPr>
-              </a:lvl1pPr>
-              <a:lvl2pPr marL="457200" algn="l" defTabSz="914400" rtl="0" eaLnBrk="1" latinLnBrk="0" hangingPunct="1">
-                <a:defRPr sz="1800" kern="1200">
-                  <a:solidFill>
-                    <a:schemeClr val="tx1"/>
-                  </a:solidFill>
-                  <a:latin typeface="+mn-lt"/>
-                  <a:ea typeface="+mn-ea"/>
-                  <a:cs typeface="+mn-cs"/>
-                </a:defRPr>
-              </a:lvl2pPr>
-              <a:lvl3pPr marL="914400" algn="l" defTabSz="914400" rtl="0" eaLnBrk="1" latinLnBrk="0" hangingPunct="1">
-                <a:defRPr sz="1800" kern="1200">
-                  <a:solidFill>
-                    <a:schemeClr val="tx1"/>
-                  </a:solidFill>
-                  <a:latin typeface="+mn-lt"/>
-                  <a:ea typeface="+mn-ea"/>
-                  <a:cs typeface="+mn-cs"/>
-                </a:defRPr>
-              </a:lvl3pPr>
-              <a:lvl4pPr marL="1371600" algn="l" defTabSz="914400" rtl="0" eaLnBrk="1" latinLnBrk="0" hangingPunct="1">
-                <a:defRPr sz="1800" kern="1200">
-                  <a:solidFill>
-                    <a:schemeClr val="tx1"/>
-                  </a:solidFill>
-                  <a:latin typeface="+mn-lt"/>
-                  <a:ea typeface="+mn-ea"/>
-                  <a:cs typeface="+mn-cs"/>
-                </a:defRPr>
-              </a:lvl4pPr>
-              <a:lvl5pPr marL="1828800" algn="l" defTabSz="914400" rtl="0" eaLnBrk="1" latinLnBrk="0" hangingPunct="1">
-                <a:defRPr sz="1800" kern="1200">
-                  <a:solidFill>
-                    <a:schemeClr val="tx1"/>
-                  </a:solidFill>
-                  <a:latin typeface="+mn-lt"/>
-                  <a:ea typeface="+mn-ea"/>
-                  <a:cs typeface="+mn-cs"/>
-                </a:defRPr>
-              </a:lvl5pPr>
-              <a:lvl6pPr marL="2286000" algn="l" defTabSz="914400" rtl="0" eaLnBrk="1" latinLnBrk="0" hangingPunct="1">
-                <a:defRPr sz="1800" kern="1200">
-                  <a:solidFill>
-                    <a:schemeClr val="tx1"/>
-                  </a:solidFill>
-                  <a:latin typeface="+mn-lt"/>
-                  <a:ea typeface="+mn-ea"/>
-                  <a:cs typeface="+mn-cs"/>
-                </a:defRPr>
-              </a:lvl6pPr>
-              <a:lvl7pPr marL="2743200" algn="l" defTabSz="914400" rtl="0" eaLnBrk="1" latinLnBrk="0" hangingPunct="1">
-                <a:defRPr sz="1800" kern="1200">
-                  <a:solidFill>
-                    <a:schemeClr val="tx1"/>
-                  </a:solidFill>
-                  <a:latin typeface="+mn-lt"/>
-                  <a:ea typeface="+mn-ea"/>
-                  <a:cs typeface="+mn-cs"/>
-                </a:defRPr>
-              </a:lvl7pPr>
-              <a:lvl8pPr marL="3200400" algn="l" defTabSz="914400" rtl="0" eaLnBrk="1" latinLnBrk="0" hangingPunct="1">
-                <a:defRPr sz="1800" kern="1200">
-                  <a:solidFill>
-                    <a:schemeClr val="tx1"/>
-                  </a:solidFill>
-                  <a:latin typeface="+mn-lt"/>
-                  <a:ea typeface="+mn-ea"/>
-                  <a:cs typeface="+mn-cs"/>
-                </a:defRPr>
-              </a:lvl8pPr>
-              <a:lvl9pPr marL="3657600" algn="l" defTabSz="914400" rtl="0" eaLnBrk="1" latinLnBrk="0" hangingPunct="1">
-                <a:defRPr sz="1800" kern="1200">
-                  <a:solidFill>
-                    <a:schemeClr val="tx1"/>
-                  </a:solidFill>
-                  <a:latin typeface="+mn-lt"/>
-                  <a:ea typeface="+mn-ea"/>
-                  <a:cs typeface="+mn-cs"/>
-                </a:defRPr>
-              </a:lvl9pPr>
-            </a:lstStyle>
-            <a:p>
-              <a:pPr>
-                <a:lnSpc>
-                  <a:spcPct val="150000"/>
-                </a:lnSpc>
-              </a:pPr>
-              <a:r>
-                <a:rPr lang="zh-CN" altLang="en-US" sz="2000" dirty="0">
-                  <a:solidFill>
-                    <a:prstClr val="black">
-                      <a:lumMod val="75000"/>
-                      <a:lumOff val="25000"/>
-                    </a:prstClr>
-                  </a:solidFill>
-                  <a:latin typeface="方正黑体简体" panose="02010601030101010101" pitchFamily="2" charset="-122"/>
-                  <a:ea typeface="方正黑体简体" panose="02010601030101010101" pitchFamily="2" charset="-122"/>
-                  <a:cs typeface="+mn-ea"/>
-                  <a:sym typeface="+mn-lt"/>
-                </a:rPr>
-                <a:t>在确定好课题的大致方向后，我们选择了点击、长按等单手操作的操作方式，以此来配合小程序小而精的模式。</a:t>
-              </a:r>
-            </a:p>
-          </p:txBody>
-        </p:sp>
-      </p:grpSp>
-      <p:grpSp>
-        <p:nvGrpSpPr>
-          <p:cNvPr id="7" name="组合 6"/>
-          <p:cNvGrpSpPr/>
-          <p:nvPr/>
-        </p:nvGrpSpPr>
-        <p:grpSpPr>
-          <a:xfrm>
-            <a:off x="4780318" y="7552492"/>
-            <a:ext cx="6287925" cy="5448140"/>
-            <a:chOff x="4780318" y="7552492"/>
-            <a:chExt cx="6287925" cy="5448140"/>
-          </a:xfrm>
-        </p:grpSpPr>
-        <p:sp>
-          <p:nvSpPr>
-            <p:cNvPr id="23" name="TextBox 22"/>
-            <p:cNvSpPr txBox="1"/>
-            <p:nvPr/>
-          </p:nvSpPr>
-          <p:spPr>
-            <a:xfrm>
-              <a:off x="7252257" y="7552492"/>
-              <a:ext cx="1422184" cy="461665"/>
-            </a:xfrm>
-            <a:prstGeom prst="rect">
-              <a:avLst/>
-            </a:prstGeom>
-            <a:noFill/>
-          </p:spPr>
-          <p:txBody>
-            <a:bodyPr wrap="none" rtlCol="0" anchor="ctr" anchorCtr="0">
-              <a:spAutoFit/>
-            </a:bodyPr>
-            <a:lstStyle/>
-            <a:p>
-              <a:pPr algn="ctr"/>
-              <a:r>
-                <a:rPr lang="zh-CN" altLang="en-US" sz="2400" b="1" dirty="0">
-                  <a:solidFill>
-                    <a:schemeClr val="tx2"/>
-                  </a:solidFill>
-                  <a:latin typeface="Poppins SemiBold" charset="0"/>
-                  <a:ea typeface="Poppins SemiBold" charset="0"/>
-                  <a:cs typeface="Poppins SemiBold" charset="0"/>
-                </a:rPr>
-                <a:t>游戏引擎</a:t>
-              </a:r>
-              <a:endParaRPr lang="en-US" altLang="zh-CN" sz="2400" b="1" dirty="0">
-                <a:solidFill>
-                  <a:schemeClr val="tx2"/>
-                </a:solidFill>
-                <a:latin typeface="Poppins SemiBold" charset="0"/>
-                <a:ea typeface="Poppins SemiBold" charset="0"/>
-                <a:cs typeface="Poppins SemiBold" charset="0"/>
-              </a:endParaRPr>
-            </a:p>
-          </p:txBody>
-        </p:sp>
-        <p:sp>
-          <p:nvSpPr>
-            <p:cNvPr id="18" name="文本框 17"/>
-            <p:cNvSpPr txBox="1"/>
-            <p:nvPr/>
-          </p:nvSpPr>
-          <p:spPr>
-            <a:xfrm>
-              <a:off x="4780318" y="12501008"/>
-              <a:ext cx="6287925" cy="499624"/>
-            </a:xfrm>
-            <a:prstGeom prst="rect">
-              <a:avLst/>
-            </a:prstGeom>
-            <a:noFill/>
-          </p:spPr>
-          <p:txBody>
-            <a:bodyPr wrap="square" rtlCol="0">
-              <a:spAutoFit/>
-            </a:bodyPr>
-            <a:lstStyle>
-              <a:defPPr>
-                <a:defRPr lang="zh-CN"/>
-              </a:defPPr>
-              <a:lvl1pPr marL="0" algn="l" defTabSz="914400" rtl="0" eaLnBrk="1" latinLnBrk="0" hangingPunct="1">
-                <a:defRPr sz="1800" kern="1200">
-                  <a:solidFill>
-                    <a:schemeClr val="tx1"/>
-                  </a:solidFill>
-                  <a:latin typeface="+mn-lt"/>
-                  <a:ea typeface="+mn-ea"/>
-                  <a:cs typeface="+mn-cs"/>
-                </a:defRPr>
-              </a:lvl1pPr>
-              <a:lvl2pPr marL="457200" algn="l" defTabSz="914400" rtl="0" eaLnBrk="1" latinLnBrk="0" hangingPunct="1">
-                <a:defRPr sz="1800" kern="1200">
-                  <a:solidFill>
-                    <a:schemeClr val="tx1"/>
-                  </a:solidFill>
-                  <a:latin typeface="+mn-lt"/>
-                  <a:ea typeface="+mn-ea"/>
-                  <a:cs typeface="+mn-cs"/>
-                </a:defRPr>
-              </a:lvl2pPr>
-              <a:lvl3pPr marL="914400" algn="l" defTabSz="914400" rtl="0" eaLnBrk="1" latinLnBrk="0" hangingPunct="1">
-                <a:defRPr sz="1800" kern="1200">
-                  <a:solidFill>
-                    <a:schemeClr val="tx1"/>
-                  </a:solidFill>
-                  <a:latin typeface="+mn-lt"/>
-                  <a:ea typeface="+mn-ea"/>
-                  <a:cs typeface="+mn-cs"/>
-                </a:defRPr>
-              </a:lvl3pPr>
-              <a:lvl4pPr marL="1371600" algn="l" defTabSz="914400" rtl="0" eaLnBrk="1" latinLnBrk="0" hangingPunct="1">
-                <a:defRPr sz="1800" kern="1200">
-                  <a:solidFill>
-                    <a:schemeClr val="tx1"/>
-                  </a:solidFill>
-                  <a:latin typeface="+mn-lt"/>
-                  <a:ea typeface="+mn-ea"/>
-                  <a:cs typeface="+mn-cs"/>
-                </a:defRPr>
-              </a:lvl4pPr>
-              <a:lvl5pPr marL="1828800" algn="l" defTabSz="914400" rtl="0" eaLnBrk="1" latinLnBrk="0" hangingPunct="1">
-                <a:defRPr sz="1800" kern="1200">
-                  <a:solidFill>
-                    <a:schemeClr val="tx1"/>
-                  </a:solidFill>
-                  <a:latin typeface="+mn-lt"/>
-                  <a:ea typeface="+mn-ea"/>
-                  <a:cs typeface="+mn-cs"/>
-                </a:defRPr>
-              </a:lvl5pPr>
-              <a:lvl6pPr marL="2286000" algn="l" defTabSz="914400" rtl="0" eaLnBrk="1" latinLnBrk="0" hangingPunct="1">
-                <a:defRPr sz="1800" kern="1200">
-                  <a:solidFill>
-                    <a:schemeClr val="tx1"/>
-                  </a:solidFill>
-                  <a:latin typeface="+mn-lt"/>
-                  <a:ea typeface="+mn-ea"/>
-                  <a:cs typeface="+mn-cs"/>
-                </a:defRPr>
-              </a:lvl6pPr>
-              <a:lvl7pPr marL="2743200" algn="l" defTabSz="914400" rtl="0" eaLnBrk="1" latinLnBrk="0" hangingPunct="1">
-                <a:defRPr sz="1800" kern="1200">
-                  <a:solidFill>
-                    <a:schemeClr val="tx1"/>
-                  </a:solidFill>
-                  <a:latin typeface="+mn-lt"/>
-                  <a:ea typeface="+mn-ea"/>
-                  <a:cs typeface="+mn-cs"/>
-                </a:defRPr>
-              </a:lvl7pPr>
-              <a:lvl8pPr marL="3200400" algn="l" defTabSz="914400" rtl="0" eaLnBrk="1" latinLnBrk="0" hangingPunct="1">
-                <a:defRPr sz="1800" kern="1200">
-                  <a:solidFill>
-                    <a:schemeClr val="tx1"/>
-                  </a:solidFill>
-                  <a:latin typeface="+mn-lt"/>
-                  <a:ea typeface="+mn-ea"/>
-                  <a:cs typeface="+mn-cs"/>
-                </a:defRPr>
-              </a:lvl8pPr>
-              <a:lvl9pPr marL="3657600" algn="l" defTabSz="914400" rtl="0" eaLnBrk="1" latinLnBrk="0" hangingPunct="1">
-                <a:defRPr sz="1800" kern="1200">
-                  <a:solidFill>
-                    <a:schemeClr val="tx1"/>
-                  </a:solidFill>
-                  <a:latin typeface="+mn-lt"/>
-                  <a:ea typeface="+mn-ea"/>
-                  <a:cs typeface="+mn-cs"/>
-                </a:defRPr>
-              </a:lvl9pPr>
-            </a:lstStyle>
-            <a:p>
-              <a:pPr>
-                <a:lnSpc>
-                  <a:spcPct val="150000"/>
-                </a:lnSpc>
-              </a:pPr>
-              <a:r>
-                <a:rPr lang="zh-CN" altLang="en-US" sz="2000" dirty="0">
-                  <a:solidFill>
-                    <a:prstClr val="black">
-                      <a:lumMod val="75000"/>
-                      <a:lumOff val="25000"/>
-                    </a:prstClr>
-                  </a:solidFill>
-                  <a:latin typeface="方正黑体简体" panose="02010601030101010101" pitchFamily="2" charset="-122"/>
-                  <a:ea typeface="方正黑体简体" panose="02010601030101010101" pitchFamily="2" charset="-122"/>
-                  <a:cs typeface="+mn-ea"/>
-                  <a:sym typeface="+mn-lt"/>
-                </a:rPr>
-                <a:t>游戏引擎决定为</a:t>
-              </a:r>
-              <a:r>
-                <a:rPr lang="en-US" altLang="zh-CN" sz="2000" dirty="0" err="1">
-                  <a:solidFill>
-                    <a:prstClr val="black">
-                      <a:lumMod val="75000"/>
-                      <a:lumOff val="25000"/>
-                    </a:prstClr>
-                  </a:solidFill>
-                  <a:latin typeface="方正黑体简体" panose="02010601030101010101" pitchFamily="2" charset="-122"/>
-                  <a:ea typeface="方正黑体简体" panose="02010601030101010101" pitchFamily="2" charset="-122"/>
-                  <a:cs typeface="+mn-ea"/>
-                  <a:sym typeface="+mn-lt"/>
-                </a:rPr>
-                <a:t>LayaAir</a:t>
-              </a:r>
-              <a:r>
-                <a:rPr lang="zh-CN" altLang="en-US" sz="2000" dirty="0">
-                  <a:solidFill>
-                    <a:prstClr val="black">
-                      <a:lumMod val="75000"/>
-                      <a:lumOff val="25000"/>
-                    </a:prstClr>
-                  </a:solidFill>
-                  <a:latin typeface="方正黑体简体" panose="02010601030101010101" pitchFamily="2" charset="-122"/>
-                  <a:ea typeface="方正黑体简体" panose="02010601030101010101" pitchFamily="2" charset="-122"/>
-                  <a:cs typeface="+mn-ea"/>
-                  <a:sym typeface="+mn-lt"/>
-                </a:rPr>
-                <a:t>。</a:t>
-              </a:r>
-            </a:p>
-          </p:txBody>
-        </p:sp>
-      </p:grpSp>
-      <p:grpSp>
-        <p:nvGrpSpPr>
-          <p:cNvPr id="6" name="组合 5"/>
-          <p:cNvGrpSpPr/>
-          <p:nvPr/>
-        </p:nvGrpSpPr>
-        <p:grpSpPr>
-          <a:xfrm>
-            <a:off x="13294784" y="3664496"/>
-            <a:ext cx="6287925" cy="5470504"/>
-            <a:chOff x="13294784" y="3706037"/>
-            <a:chExt cx="6287925" cy="5470504"/>
-          </a:xfrm>
-        </p:grpSpPr>
-        <p:sp>
-          <p:nvSpPr>
-            <p:cNvPr id="22" name="TextBox 21"/>
-            <p:cNvSpPr txBox="1"/>
-            <p:nvPr/>
-          </p:nvSpPr>
-          <p:spPr>
-            <a:xfrm>
-              <a:off x="15731735" y="3706037"/>
-              <a:ext cx="1422184" cy="461665"/>
-            </a:xfrm>
-            <a:prstGeom prst="rect">
-              <a:avLst/>
-            </a:prstGeom>
-            <a:noFill/>
-          </p:spPr>
-          <p:txBody>
-            <a:bodyPr wrap="none" rtlCol="0" anchor="ctr" anchorCtr="0">
-              <a:spAutoFit/>
-            </a:bodyPr>
-            <a:lstStyle/>
-            <a:p>
-              <a:pPr algn="ctr"/>
-              <a:r>
-                <a:rPr lang="zh-CN" altLang="en-US" sz="2400" b="1" dirty="0">
-                  <a:solidFill>
-                    <a:schemeClr val="tx2"/>
-                  </a:solidFill>
-                  <a:latin typeface="Poppins SemiBold" charset="0"/>
-                  <a:ea typeface="Poppins SemiBold" charset="0"/>
-                  <a:cs typeface="Poppins SemiBold" charset="0"/>
-                </a:rPr>
-                <a:t>程序工具</a:t>
-              </a:r>
-              <a:endParaRPr lang="en-US" altLang="zh-CN" sz="2400" b="1" dirty="0">
-                <a:solidFill>
-                  <a:schemeClr val="tx2"/>
-                </a:solidFill>
-                <a:latin typeface="Poppins SemiBold" charset="0"/>
-                <a:ea typeface="Poppins SemiBold" charset="0"/>
-                <a:cs typeface="Poppins SemiBold" charset="0"/>
-              </a:endParaRPr>
-            </a:p>
-          </p:txBody>
-        </p:sp>
-        <p:sp>
-          <p:nvSpPr>
-            <p:cNvPr id="19" name="文本框 18"/>
-            <p:cNvSpPr txBox="1"/>
-            <p:nvPr/>
-          </p:nvSpPr>
-          <p:spPr>
-            <a:xfrm>
-              <a:off x="13294784" y="8676917"/>
-              <a:ext cx="6287925" cy="499624"/>
-            </a:xfrm>
-            <a:prstGeom prst="rect">
-              <a:avLst/>
-            </a:prstGeom>
-            <a:noFill/>
-          </p:spPr>
-          <p:txBody>
-            <a:bodyPr wrap="square" rtlCol="0">
-              <a:spAutoFit/>
-            </a:bodyPr>
-            <a:lstStyle>
-              <a:defPPr>
-                <a:defRPr lang="zh-CN"/>
-              </a:defPPr>
-              <a:lvl1pPr marL="0" algn="l" defTabSz="914400" rtl="0" eaLnBrk="1" latinLnBrk="0" hangingPunct="1">
-                <a:defRPr sz="1800" kern="1200">
-                  <a:solidFill>
-                    <a:schemeClr val="tx1"/>
-                  </a:solidFill>
-                  <a:latin typeface="+mn-lt"/>
-                  <a:ea typeface="+mn-ea"/>
-                  <a:cs typeface="+mn-cs"/>
-                </a:defRPr>
-              </a:lvl1pPr>
-              <a:lvl2pPr marL="457200" algn="l" defTabSz="914400" rtl="0" eaLnBrk="1" latinLnBrk="0" hangingPunct="1">
-                <a:defRPr sz="1800" kern="1200">
-                  <a:solidFill>
-                    <a:schemeClr val="tx1"/>
-                  </a:solidFill>
-                  <a:latin typeface="+mn-lt"/>
-                  <a:ea typeface="+mn-ea"/>
-                  <a:cs typeface="+mn-cs"/>
-                </a:defRPr>
-              </a:lvl2pPr>
-              <a:lvl3pPr marL="914400" algn="l" defTabSz="914400" rtl="0" eaLnBrk="1" latinLnBrk="0" hangingPunct="1">
-                <a:defRPr sz="1800" kern="1200">
-                  <a:solidFill>
-                    <a:schemeClr val="tx1"/>
-                  </a:solidFill>
-                  <a:latin typeface="+mn-lt"/>
-                  <a:ea typeface="+mn-ea"/>
-                  <a:cs typeface="+mn-cs"/>
-                </a:defRPr>
-              </a:lvl3pPr>
-              <a:lvl4pPr marL="1371600" algn="l" defTabSz="914400" rtl="0" eaLnBrk="1" latinLnBrk="0" hangingPunct="1">
-                <a:defRPr sz="1800" kern="1200">
-                  <a:solidFill>
-                    <a:schemeClr val="tx1"/>
-                  </a:solidFill>
-                  <a:latin typeface="+mn-lt"/>
-                  <a:ea typeface="+mn-ea"/>
-                  <a:cs typeface="+mn-cs"/>
-                </a:defRPr>
-              </a:lvl4pPr>
-              <a:lvl5pPr marL="1828800" algn="l" defTabSz="914400" rtl="0" eaLnBrk="1" latinLnBrk="0" hangingPunct="1">
-                <a:defRPr sz="1800" kern="1200">
-                  <a:solidFill>
-                    <a:schemeClr val="tx1"/>
-                  </a:solidFill>
-                  <a:latin typeface="+mn-lt"/>
-                  <a:ea typeface="+mn-ea"/>
-                  <a:cs typeface="+mn-cs"/>
-                </a:defRPr>
-              </a:lvl5pPr>
-              <a:lvl6pPr marL="2286000" algn="l" defTabSz="914400" rtl="0" eaLnBrk="1" latinLnBrk="0" hangingPunct="1">
-                <a:defRPr sz="1800" kern="1200">
-                  <a:solidFill>
-                    <a:schemeClr val="tx1"/>
-                  </a:solidFill>
-                  <a:latin typeface="+mn-lt"/>
-                  <a:ea typeface="+mn-ea"/>
-                  <a:cs typeface="+mn-cs"/>
-                </a:defRPr>
-              </a:lvl6pPr>
-              <a:lvl7pPr marL="2743200" algn="l" defTabSz="914400" rtl="0" eaLnBrk="1" latinLnBrk="0" hangingPunct="1">
-                <a:defRPr sz="1800" kern="1200">
-                  <a:solidFill>
-                    <a:schemeClr val="tx1"/>
-                  </a:solidFill>
-                  <a:latin typeface="+mn-lt"/>
-                  <a:ea typeface="+mn-ea"/>
-                  <a:cs typeface="+mn-cs"/>
-                </a:defRPr>
-              </a:lvl7pPr>
-              <a:lvl8pPr marL="3200400" algn="l" defTabSz="914400" rtl="0" eaLnBrk="1" latinLnBrk="0" hangingPunct="1">
-                <a:defRPr sz="1800" kern="1200">
-                  <a:solidFill>
-                    <a:schemeClr val="tx1"/>
-                  </a:solidFill>
-                  <a:latin typeface="+mn-lt"/>
-                  <a:ea typeface="+mn-ea"/>
-                  <a:cs typeface="+mn-cs"/>
-                </a:defRPr>
-              </a:lvl8pPr>
-              <a:lvl9pPr marL="3657600" algn="l" defTabSz="914400" rtl="0" eaLnBrk="1" latinLnBrk="0" hangingPunct="1">
-                <a:defRPr sz="1800" kern="1200">
-                  <a:solidFill>
-                    <a:schemeClr val="tx1"/>
-                  </a:solidFill>
-                  <a:latin typeface="+mn-lt"/>
-                  <a:ea typeface="+mn-ea"/>
-                  <a:cs typeface="+mn-cs"/>
-                </a:defRPr>
-              </a:lvl9pPr>
-            </a:lstStyle>
-            <a:p>
-              <a:pPr>
-                <a:lnSpc>
-                  <a:spcPct val="150000"/>
-                </a:lnSpc>
-              </a:pPr>
-              <a:r>
-                <a:rPr lang="zh-CN" altLang="en-US" sz="2000" dirty="0">
-                  <a:solidFill>
-                    <a:prstClr val="black">
-                      <a:lumMod val="75000"/>
-                      <a:lumOff val="25000"/>
-                    </a:prstClr>
-                  </a:solidFill>
-                  <a:latin typeface="方正黑体简体" panose="02010601030101010101" pitchFamily="2" charset="-122"/>
-                  <a:ea typeface="方正黑体简体" panose="02010601030101010101" pitchFamily="2" charset="-122"/>
-                  <a:cs typeface="+mn-ea"/>
-                  <a:sym typeface="+mn-lt"/>
-                </a:rPr>
-                <a:t>决定了开发所需的工具为微信开发者工具。</a:t>
-              </a:r>
-            </a:p>
-          </p:txBody>
-        </p:sp>
-      </p:grpSp>
-      <p:sp>
-        <p:nvSpPr>
-          <p:cNvPr id="10" name="图片占位符 9">
-            <a:extLst>
-              <a:ext uri="{FF2B5EF4-FFF2-40B4-BE49-F238E27FC236}">
-                <a16:creationId xmlns:a16="http://schemas.microsoft.com/office/drawing/2014/main" id="{686F2F05-6608-4E08-B418-16D085E15ABC}"/>
-              </a:ext>
-            </a:extLst>
-          </p:cNvPr>
-          <p:cNvSpPr>
-            <a:spLocks noGrp="1"/>
-          </p:cNvSpPr>
-          <p:nvPr>
-            <p:ph type="pic" sz="quarter" idx="18"/>
-          </p:nvPr>
-        </p:nvSpPr>
-        <p:spPr/>
-      </p:sp>
-      <p:pic>
-        <p:nvPicPr>
-          <p:cNvPr id="30" name="图片 29">
-            <a:extLst>
-              <a:ext uri="{FF2B5EF4-FFF2-40B4-BE49-F238E27FC236}">
-                <a16:creationId xmlns:a16="http://schemas.microsoft.com/office/drawing/2014/main" id="{FC5C394F-964C-400B-8521-C7533B09793E}"/>
-              </a:ext>
-            </a:extLst>
-          </p:cNvPr>
-          <p:cNvPicPr/>
-          <p:nvPr/>
-        </p:nvPicPr>
-        <p:blipFill>
-          <a:blip r:embed="rId3" cstate="email">
-            <a:extLst>
-              <a:ext uri="{28A0092B-C50C-407E-A947-70E740481C1C}">
-                <a14:useLocalDpi xmlns:a14="http://schemas.microsoft.com/office/drawing/2010/main" val="0"/>
-              </a:ext>
-            </a:extLst>
-          </a:blip>
-          <a:srcRect/>
-          <a:stretch>
-            <a:fillRect/>
-          </a:stretch>
-        </p:blipFill>
-        <p:spPr bwMode="auto">
-          <a:xfrm>
-            <a:off x="4893181" y="1830537"/>
-            <a:ext cx="6191104" cy="4244669"/>
-          </a:xfrm>
-          <a:prstGeom prst="rect">
-            <a:avLst/>
-          </a:prstGeom>
-          <a:noFill/>
-          <a:ln>
-            <a:noFill/>
-          </a:ln>
-        </p:spPr>
-      </p:pic>
-      <p:pic>
-        <p:nvPicPr>
-          <p:cNvPr id="15" name="图片 14">
-            <a:extLst>
-              <a:ext uri="{FF2B5EF4-FFF2-40B4-BE49-F238E27FC236}">
-                <a16:creationId xmlns:a16="http://schemas.microsoft.com/office/drawing/2014/main" id="{2E954BD6-9F68-4E9C-8D23-4FA5391DE4D9}"/>
-              </a:ext>
-            </a:extLst>
-          </p:cNvPr>
-          <p:cNvPicPr>
-            <a:picLocks noChangeAspect="1"/>
-          </p:cNvPicPr>
-          <p:nvPr/>
-        </p:nvPicPr>
-        <p:blipFill>
-          <a:blip r:embed="rId4"/>
-          <a:stretch>
-            <a:fillRect/>
-          </a:stretch>
-        </p:blipFill>
-        <p:spPr>
-          <a:xfrm>
-            <a:off x="13321861" y="4527886"/>
-            <a:ext cx="6232352" cy="4036742"/>
-          </a:xfrm>
-          <a:prstGeom prst="rect">
-            <a:avLst/>
-          </a:prstGeom>
-        </p:spPr>
-      </p:pic>
-      <p:sp>
-        <p:nvSpPr>
-          <p:cNvPr id="20" name="图片占位符 19">
-            <a:extLst>
-              <a:ext uri="{FF2B5EF4-FFF2-40B4-BE49-F238E27FC236}">
-                <a16:creationId xmlns:a16="http://schemas.microsoft.com/office/drawing/2014/main" id="{D68AEAE8-2774-4A4A-A6A0-56FE689B6950}"/>
-              </a:ext>
-            </a:extLst>
-          </p:cNvPr>
-          <p:cNvSpPr>
-            <a:spLocks noGrp="1"/>
-          </p:cNvSpPr>
-          <p:nvPr>
-            <p:ph type="pic" sz="quarter" idx="17"/>
-          </p:nvPr>
-        </p:nvSpPr>
-        <p:spPr>
-          <a:xfrm>
-            <a:off x="13406296" y="4416373"/>
-            <a:ext cx="6197321" cy="4036742"/>
-          </a:xfrm>
-        </p:spPr>
-      </p:sp>
-      <p:pic>
-        <p:nvPicPr>
-          <p:cNvPr id="12" name="图片占位符 11">
-            <a:extLst>
-              <a:ext uri="{FF2B5EF4-FFF2-40B4-BE49-F238E27FC236}">
-                <a16:creationId xmlns:a16="http://schemas.microsoft.com/office/drawing/2014/main" id="{4906457A-3906-4217-83BE-0354893557BD}"/>
-              </a:ext>
-            </a:extLst>
-          </p:cNvPr>
-          <p:cNvPicPr>
-            <a:picLocks noGrp="1" noChangeAspect="1"/>
-          </p:cNvPicPr>
-          <p:nvPr>
-            <p:ph type="pic" sz="quarter" idx="19"/>
-          </p:nvPr>
-        </p:nvPicPr>
-        <p:blipFill>
-          <a:blip r:embed="rId5"/>
-          <a:srcRect l="8845" r="8845"/>
-          <a:stretch>
-            <a:fillRect/>
-          </a:stretch>
-        </p:blipFill>
-        <p:spPr>
-          <a:prstGeom prst="rect">
-            <a:avLst/>
-          </a:prstGeom>
-        </p:spPr>
-      </p:pic>
     </p:spTree>
     <p:extLst>
       <p:ext uri="{BB962C8B-B14F-4D97-AF65-F5344CB8AC3E}">
@@ -22738,229 +19963,6 @@
       </p:transition>
     </mc:Fallback>
   </mc:AlternateContent>
-  <p:timing>
-    <p:tnLst>
-      <p:par>
-        <p:cTn id="1" dur="indefinite" restart="never" nodeType="tmRoot">
-          <p:childTnLst>
-            <p:seq concurrent="1" nextAc="seek">
-              <p:cTn id="2" dur="indefinite" nodeType="mainSeq">
-                <p:childTnLst>
-                  <p:par>
-                    <p:cTn id="3" fill="hold">
-                      <p:stCondLst>
-                        <p:cond delay="indefinite"/>
-                        <p:cond evt="onBegin" delay="0">
-                          <p:tn val="2"/>
-                        </p:cond>
-                      </p:stCondLst>
-                      <p:childTnLst>
-                        <p:par>
-                          <p:cTn id="4" fill="hold">
-                            <p:stCondLst>
-                              <p:cond delay="0"/>
-                            </p:stCondLst>
-                            <p:childTnLst>
-                              <p:par>
-                                <p:cTn id="5" presetID="22" presetClass="entr" presetSubtype="1" fill="hold" nodeType="afterEffect">
-                                  <p:stCondLst>
-                                    <p:cond delay="0"/>
-                                  </p:stCondLst>
-                                  <p:childTnLst>
-                                    <p:set>
-                                      <p:cBhvr>
-                                        <p:cTn id="6" dur="1" fill="hold">
-                                          <p:stCondLst>
-                                            <p:cond delay="0"/>
-                                          </p:stCondLst>
-                                        </p:cTn>
-                                        <p:tgtEl>
-                                          <p:spTgt spid="2"/>
-                                        </p:tgtEl>
-                                        <p:attrNameLst>
-                                          <p:attrName>style.visibility</p:attrName>
-                                        </p:attrNameLst>
-                                      </p:cBhvr>
-                                      <p:to>
-                                        <p:strVal val="visible"/>
-                                      </p:to>
-                                    </p:set>
-                                    <p:animEffect transition="in" filter="wipe(up)">
-                                      <p:cBhvr>
-                                        <p:cTn id="7" dur="750"/>
-                                        <p:tgtEl>
-                                          <p:spTgt spid="2"/>
-                                        </p:tgtEl>
-                                      </p:cBhvr>
-                                    </p:animEffect>
-                                  </p:childTnLst>
-                                </p:cTn>
-                              </p:par>
-                            </p:childTnLst>
-                          </p:cTn>
-                        </p:par>
-                        <p:par>
-                          <p:cTn id="8" fill="hold">
-                            <p:stCondLst>
-                              <p:cond delay="750"/>
-                            </p:stCondLst>
-                            <p:childTnLst>
-                              <p:par>
-                                <p:cTn id="9" presetID="14" presetClass="entr" presetSubtype="10" fill="hold" nodeType="afterEffect">
-                                  <p:stCondLst>
-                                    <p:cond delay="0"/>
-                                  </p:stCondLst>
-                                  <p:childTnLst>
-                                    <p:set>
-                                      <p:cBhvr>
-                                        <p:cTn id="10" dur="1" fill="hold">
-                                          <p:stCondLst>
-                                            <p:cond delay="0"/>
-                                          </p:stCondLst>
-                                        </p:cTn>
-                                        <p:tgtEl>
-                                          <p:spTgt spid="4"/>
-                                        </p:tgtEl>
-                                        <p:attrNameLst>
-                                          <p:attrName>style.visibility</p:attrName>
-                                        </p:attrNameLst>
-                                      </p:cBhvr>
-                                      <p:to>
-                                        <p:strVal val="visible"/>
-                                      </p:to>
-                                    </p:set>
-                                    <p:animEffect transition="in" filter="randombar(horizontal)">
-                                      <p:cBhvr>
-                                        <p:cTn id="11" dur="500"/>
-                                        <p:tgtEl>
-                                          <p:spTgt spid="4"/>
-                                        </p:tgtEl>
-                                      </p:cBhvr>
-                                    </p:animEffect>
-                                  </p:childTnLst>
-                                </p:cTn>
-                              </p:par>
-                            </p:childTnLst>
-                          </p:cTn>
-                        </p:par>
-                        <p:par>
-                          <p:cTn id="12" fill="hold">
-                            <p:stCondLst>
-                              <p:cond delay="1250"/>
-                            </p:stCondLst>
-                            <p:childTnLst>
-                              <p:par>
-                                <p:cTn id="13" presetID="14" presetClass="entr" presetSubtype="10" fill="hold" nodeType="afterEffect">
-                                  <p:stCondLst>
-                                    <p:cond delay="0"/>
-                                  </p:stCondLst>
-                                  <p:childTnLst>
-                                    <p:set>
-                                      <p:cBhvr>
-                                        <p:cTn id="14" dur="1" fill="hold">
-                                          <p:stCondLst>
-                                            <p:cond delay="0"/>
-                                          </p:stCondLst>
-                                        </p:cTn>
-                                        <p:tgtEl>
-                                          <p:spTgt spid="6"/>
-                                        </p:tgtEl>
-                                        <p:attrNameLst>
-                                          <p:attrName>style.visibility</p:attrName>
-                                        </p:attrNameLst>
-                                      </p:cBhvr>
-                                      <p:to>
-                                        <p:strVal val="visible"/>
-                                      </p:to>
-                                    </p:set>
-                                    <p:animEffect transition="in" filter="randombar(horizontal)">
-                                      <p:cBhvr>
-                                        <p:cTn id="15" dur="500"/>
-                                        <p:tgtEl>
-                                          <p:spTgt spid="6"/>
-                                        </p:tgtEl>
-                                      </p:cBhvr>
-                                    </p:animEffect>
-                                  </p:childTnLst>
-                                </p:cTn>
-                              </p:par>
-                            </p:childTnLst>
-                          </p:cTn>
-                        </p:par>
-                        <p:par>
-                          <p:cTn id="16" fill="hold">
-                            <p:stCondLst>
-                              <p:cond delay="1750"/>
-                            </p:stCondLst>
-                            <p:childTnLst>
-                              <p:par>
-                                <p:cTn id="17" presetID="14" presetClass="entr" presetSubtype="10" fill="hold" nodeType="afterEffect">
-                                  <p:stCondLst>
-                                    <p:cond delay="0"/>
-                                  </p:stCondLst>
-                                  <p:childTnLst>
-                                    <p:set>
-                                      <p:cBhvr>
-                                        <p:cTn id="18" dur="1" fill="hold">
-                                          <p:stCondLst>
-                                            <p:cond delay="0"/>
-                                          </p:stCondLst>
-                                        </p:cTn>
-                                        <p:tgtEl>
-                                          <p:spTgt spid="7"/>
-                                        </p:tgtEl>
-                                        <p:attrNameLst>
-                                          <p:attrName>style.visibility</p:attrName>
-                                        </p:attrNameLst>
-                                      </p:cBhvr>
-                                      <p:to>
-                                        <p:strVal val="visible"/>
-                                      </p:to>
-                                    </p:set>
-                                    <p:animEffect transition="in" filter="randombar(horizontal)">
-                                      <p:cBhvr>
-                                        <p:cTn id="19" dur="500"/>
-                                        <p:tgtEl>
-                                          <p:spTgt spid="7"/>
-                                        </p:tgtEl>
-                                      </p:cBhvr>
-                                    </p:animEffect>
-                                  </p:childTnLst>
-                                </p:cTn>
-                              </p:par>
-                            </p:childTnLst>
-                          </p:cTn>
-                        </p:par>
-                      </p:childTnLst>
-                    </p:cTn>
-                  </p:par>
-                </p:childTnLst>
-              </p:cTn>
-              <p:prevCondLst>
-                <p:cond evt="onPrev" delay="0">
-                  <p:tgtEl>
-                    <p:sldTgt/>
-                  </p:tgtEl>
-                </p:cond>
-              </p:prevCondLst>
-              <p:nextCondLst>
-                <p:cond evt="onNext" delay="0">
-                  <p:tgtEl>
-                    <p:sldTgt/>
-                  </p:tgtEl>
-                </p:cond>
-              </p:nextCondLst>
-            </p:seq>
-          </p:childTnLst>
-        </p:cTn>
-      </p:par>
-    </p:tnLst>
-    <p:bldLst>
-      <p:bldP spid="17" grpId="0"/>
-      <p:bldP spid="18" grpId="0"/>
-      <p:bldP spid="19" grpId="0"/>
-    </p:bldLst>
-  </p:timing>
 </p:sld>
 </file>
 
@@ -23440,8 +20442,8 @@
         </p:nvSpPr>
         <p:spPr>
           <a:xfrm>
-            <a:off x="6595063" y="7414083"/>
-            <a:ext cx="6676828" cy="1569660"/>
+            <a:off x="9057275" y="7414083"/>
+            <a:ext cx="1752403" cy="1569660"/>
           </a:xfrm>
           <a:prstGeom prst="rect">
             <a:avLst/>
@@ -23488,17 +20490,14 @@
               </a:rPr>
               <a:t>.</a:t>
             </a:r>
-            <a:r>
-              <a:rPr lang="zh-CN" altLang="en-US" sz="9600" dirty="0">
-                <a:solidFill>
-                  <a:schemeClr val="tx2"/>
-                </a:solidFill>
-                <a:latin typeface="等线" panose="02010600030101010101" pitchFamily="2" charset="-122"/>
-                <a:ea typeface="等线" panose="02010600030101010101" pitchFamily="2" charset="-122"/>
-                <a:cs typeface="Lato Black" charset="0"/>
-              </a:rPr>
-              <a:t>项目工具</a:t>
-            </a:r>
+            <a:endParaRPr lang="zh-CN" altLang="en-US" sz="9600" dirty="0">
+              <a:solidFill>
+                <a:schemeClr val="tx2"/>
+              </a:solidFill>
+              <a:latin typeface="等线" panose="02010600030101010101" pitchFamily="2" charset="-122"/>
+              <a:ea typeface="等线" panose="02010600030101010101" pitchFamily="2" charset="-122"/>
+              <a:cs typeface="Lato Black" charset="0"/>
+            </a:endParaRPr>
           </a:p>
         </p:txBody>
       </p:sp>
@@ -27020,108 +24019,10 @@
           <a:lstStyle/>
           <a:p>
             <a:pPr algn="ctr"/>
-            <a:endParaRPr lang="en-US"/>
+            <a:endParaRPr lang="en-US" dirty="0"/>
           </a:p>
         </p:txBody>
       </p:sp>
-      <p:grpSp>
-        <p:nvGrpSpPr>
-          <p:cNvPr id="3" name="组合 2"/>
-          <p:cNvGrpSpPr/>
-          <p:nvPr/>
-        </p:nvGrpSpPr>
-        <p:grpSpPr>
-          <a:xfrm>
-            <a:off x="5614908" y="9633056"/>
-            <a:ext cx="3508974" cy="692936"/>
-            <a:chOff x="5614908" y="9633056"/>
-            <a:chExt cx="3508974" cy="692936"/>
-          </a:xfrm>
-        </p:grpSpPr>
-        <p:sp>
-          <p:nvSpPr>
-            <p:cNvPr id="58" name="Rectangle 57"/>
-            <p:cNvSpPr/>
-            <p:nvPr/>
-          </p:nvSpPr>
-          <p:spPr>
-            <a:xfrm>
-              <a:off x="5614908" y="9633056"/>
-              <a:ext cx="3508974" cy="692936"/>
-            </a:xfrm>
-            <a:prstGeom prst="rect">
-              <a:avLst/>
-            </a:prstGeom>
-            <a:noFill/>
-            <a:ln w="57150">
-              <a:solidFill>
-                <a:schemeClr val="accent1"/>
-              </a:solidFill>
-            </a:ln>
-          </p:spPr>
-          <p:style>
-            <a:lnRef idx="2">
-              <a:schemeClr val="accent1">
-                <a:shade val="50000"/>
-              </a:schemeClr>
-            </a:lnRef>
-            <a:fillRef idx="1">
-              <a:schemeClr val="accent1"/>
-            </a:fillRef>
-            <a:effectRef idx="0">
-              <a:schemeClr val="accent1"/>
-            </a:effectRef>
-            <a:fontRef idx="minor">
-              <a:schemeClr val="lt1"/>
-            </a:fontRef>
-          </p:style>
-          <p:txBody>
-            <a:bodyPr rtlCol="0" anchor="ctr"/>
-            <a:lstStyle/>
-            <a:p>
-              <a:pPr algn="ctr"/>
-              <a:endParaRPr lang="en-US"/>
-            </a:p>
-          </p:txBody>
-        </p:sp>
-        <p:sp>
-          <p:nvSpPr>
-            <p:cNvPr id="59" name="TextBox 58"/>
-            <p:cNvSpPr txBox="1"/>
-            <p:nvPr/>
-          </p:nvSpPr>
-          <p:spPr>
-            <a:xfrm>
-              <a:off x="6543009" y="9732433"/>
-              <a:ext cx="1646605" cy="523220"/>
-            </a:xfrm>
-            <a:prstGeom prst="rect">
-              <a:avLst/>
-            </a:prstGeom>
-            <a:noFill/>
-          </p:spPr>
-          <p:txBody>
-            <a:bodyPr wrap="none" rtlCol="0" anchor="ctr" anchorCtr="0">
-              <a:spAutoFit/>
-            </a:bodyPr>
-            <a:lstStyle/>
-            <a:p>
-              <a:pPr algn="ctr"/>
-              <a:r>
-                <a:rPr lang="en-US" sz="2800" b="1" dirty="0">
-                  <a:solidFill>
-                    <a:schemeClr val="tx2"/>
-                  </a:solidFill>
-                  <a:latin typeface="Poppins SemiBold" charset="0"/>
-                  <a:ea typeface="Poppins SemiBold" charset="0"/>
-                  <a:cs typeface="Poppins SemiBold" charset="0"/>
-                </a:rPr>
-                <a:t>THANKS</a:t>
-              </a:r>
-            </a:p>
-          </p:txBody>
-        </p:sp>
-      </p:grpSp>
       <p:sp>
         <p:nvSpPr>
           <p:cNvPr id="7" name="Rectangle 6"/>
@@ -27292,203 +24193,6 @@
           </p:style>
         </p:cxnSp>
       </p:grpSp>
-      <p:sp>
-        <p:nvSpPr>
-          <p:cNvPr id="18" name="文本框 17"/>
-          <p:cNvSpPr txBox="1"/>
-          <p:nvPr/>
-        </p:nvSpPr>
-        <p:spPr>
-          <a:xfrm>
-            <a:off x="3948288" y="5723658"/>
-            <a:ext cx="7076929" cy="2443105"/>
-          </a:xfrm>
-          <a:prstGeom prst="rect">
-            <a:avLst/>
-          </a:prstGeom>
-          <a:noFill/>
-        </p:spPr>
-        <p:txBody>
-          <a:bodyPr wrap="square" rtlCol="0">
-            <a:spAutoFit/>
-          </a:bodyPr>
-          <a:lstStyle>
-            <a:defPPr>
-              <a:defRPr lang="zh-CN"/>
-            </a:defPPr>
-            <a:lvl1pPr marL="0" algn="l" defTabSz="914400" rtl="0" eaLnBrk="1" latinLnBrk="0" hangingPunct="1">
-              <a:defRPr sz="1800" kern="1200">
-                <a:solidFill>
-                  <a:schemeClr val="tx1"/>
-                </a:solidFill>
-                <a:latin typeface="+mn-lt"/>
-                <a:ea typeface="+mn-ea"/>
-                <a:cs typeface="+mn-cs"/>
-              </a:defRPr>
-            </a:lvl1pPr>
-            <a:lvl2pPr marL="457200" algn="l" defTabSz="914400" rtl="0" eaLnBrk="1" latinLnBrk="0" hangingPunct="1">
-              <a:defRPr sz="1800" kern="1200">
-                <a:solidFill>
-                  <a:schemeClr val="tx1"/>
-                </a:solidFill>
-                <a:latin typeface="+mn-lt"/>
-                <a:ea typeface="+mn-ea"/>
-                <a:cs typeface="+mn-cs"/>
-              </a:defRPr>
-            </a:lvl2pPr>
-            <a:lvl3pPr marL="914400" algn="l" defTabSz="914400" rtl="0" eaLnBrk="1" latinLnBrk="0" hangingPunct="1">
-              <a:defRPr sz="1800" kern="1200">
-                <a:solidFill>
-                  <a:schemeClr val="tx1"/>
-                </a:solidFill>
-                <a:latin typeface="+mn-lt"/>
-                <a:ea typeface="+mn-ea"/>
-                <a:cs typeface="+mn-cs"/>
-              </a:defRPr>
-            </a:lvl3pPr>
-            <a:lvl4pPr marL="1371600" algn="l" defTabSz="914400" rtl="0" eaLnBrk="1" latinLnBrk="0" hangingPunct="1">
-              <a:defRPr sz="1800" kern="1200">
-                <a:solidFill>
-                  <a:schemeClr val="tx1"/>
-                </a:solidFill>
-                <a:latin typeface="+mn-lt"/>
-                <a:ea typeface="+mn-ea"/>
-                <a:cs typeface="+mn-cs"/>
-              </a:defRPr>
-            </a:lvl4pPr>
-            <a:lvl5pPr marL="1828800" algn="l" defTabSz="914400" rtl="0" eaLnBrk="1" latinLnBrk="0" hangingPunct="1">
-              <a:defRPr sz="1800" kern="1200">
-                <a:solidFill>
-                  <a:schemeClr val="tx1"/>
-                </a:solidFill>
-                <a:latin typeface="+mn-lt"/>
-                <a:ea typeface="+mn-ea"/>
-                <a:cs typeface="+mn-cs"/>
-              </a:defRPr>
-            </a:lvl5pPr>
-            <a:lvl6pPr marL="2286000" algn="l" defTabSz="914400" rtl="0" eaLnBrk="1" latinLnBrk="0" hangingPunct="1">
-              <a:defRPr sz="1800" kern="1200">
-                <a:solidFill>
-                  <a:schemeClr val="tx1"/>
-                </a:solidFill>
-                <a:latin typeface="+mn-lt"/>
-                <a:ea typeface="+mn-ea"/>
-                <a:cs typeface="+mn-cs"/>
-              </a:defRPr>
-            </a:lvl6pPr>
-            <a:lvl7pPr marL="2743200" algn="l" defTabSz="914400" rtl="0" eaLnBrk="1" latinLnBrk="0" hangingPunct="1">
-              <a:defRPr sz="1800" kern="1200">
-                <a:solidFill>
-                  <a:schemeClr val="tx1"/>
-                </a:solidFill>
-                <a:latin typeface="+mn-lt"/>
-                <a:ea typeface="+mn-ea"/>
-                <a:cs typeface="+mn-cs"/>
-              </a:defRPr>
-            </a:lvl7pPr>
-            <a:lvl8pPr marL="3200400" algn="l" defTabSz="914400" rtl="0" eaLnBrk="1" latinLnBrk="0" hangingPunct="1">
-              <a:defRPr sz="1800" kern="1200">
-                <a:solidFill>
-                  <a:schemeClr val="tx1"/>
-                </a:solidFill>
-                <a:latin typeface="+mn-lt"/>
-                <a:ea typeface="+mn-ea"/>
-                <a:cs typeface="+mn-cs"/>
-              </a:defRPr>
-            </a:lvl8pPr>
-            <a:lvl9pPr marL="3657600" algn="l" defTabSz="914400" rtl="0" eaLnBrk="1" latinLnBrk="0" hangingPunct="1">
-              <a:defRPr sz="1800" kern="1200">
-                <a:solidFill>
-                  <a:schemeClr val="tx1"/>
-                </a:solidFill>
-                <a:latin typeface="+mn-lt"/>
-                <a:ea typeface="+mn-ea"/>
-                <a:cs typeface="+mn-cs"/>
-              </a:defRPr>
-            </a:lvl9pPr>
-          </a:lstStyle>
-          <a:p>
-            <a:pPr>
-              <a:lnSpc>
-                <a:spcPct val="200000"/>
-              </a:lnSpc>
-            </a:pPr>
-            <a:r>
-              <a:rPr lang="zh-CN" altLang="en-US" sz="2800" dirty="0">
-                <a:solidFill>
-                  <a:prstClr val="black">
-                    <a:lumMod val="75000"/>
-                    <a:lumOff val="25000"/>
-                  </a:prstClr>
-                </a:solidFill>
-                <a:latin typeface="Arial" panose="020B0604020202020204" pitchFamily="34" charset="0"/>
-                <a:ea typeface="方正黑体简体" panose="02010601030101010101" pitchFamily="2" charset="-122"/>
-                <a:cs typeface="Arial" panose="020B0604020202020204" pitchFamily="34" charset="0"/>
-                <a:sym typeface="+mn-lt"/>
-              </a:rPr>
-              <a:t>使用微信小程序开发工具来编辑前端。</a:t>
-            </a:r>
-            <a:r>
-              <a:rPr lang="en-US" altLang="zh-CN" sz="2800" dirty="0" err="1">
-                <a:solidFill>
-                  <a:schemeClr val="tx2"/>
-                </a:solidFill>
-                <a:latin typeface="Arial" panose="020B0604020202020204" pitchFamily="34" charset="0"/>
-                <a:cs typeface="Arial" panose="020B0604020202020204" pitchFamily="34" charset="0"/>
-              </a:rPr>
-              <a:t>LayaAir</a:t>
-            </a:r>
-            <a:r>
-              <a:rPr lang="zh-CN" altLang="en-US" sz="2800" dirty="0">
-                <a:solidFill>
-                  <a:schemeClr val="tx2"/>
-                </a:solidFill>
-                <a:latin typeface="Arial" panose="020B0604020202020204" pitchFamily="34" charset="0"/>
-                <a:cs typeface="Arial" panose="020B0604020202020204" pitchFamily="34" charset="0"/>
-              </a:rPr>
-              <a:t>引擎</a:t>
-            </a:r>
-            <a:r>
-              <a:rPr lang="zh-CN" altLang="en-US" sz="2800" dirty="0">
-                <a:solidFill>
-                  <a:schemeClr val="tx2"/>
-                </a:solidFill>
-                <a:latin typeface="Arial" panose="020B0604020202020204" pitchFamily="34" charset="0"/>
-                <a:ea typeface="方正黑体简体" panose="02010601030101010101" pitchFamily="2" charset="-122"/>
-                <a:cs typeface="Arial" panose="020B0604020202020204" pitchFamily="34" charset="0"/>
-              </a:rPr>
-              <a:t>来设计游戏。</a:t>
-            </a:r>
-            <a:endParaRPr lang="en-US" altLang="zh-CN" sz="2800" dirty="0">
-              <a:solidFill>
-                <a:schemeClr val="tx2"/>
-              </a:solidFill>
-              <a:latin typeface="Arial" panose="020B0604020202020204" pitchFamily="34" charset="0"/>
-              <a:ea typeface="方正黑体简体" panose="02010601030101010101" pitchFamily="2" charset="-122"/>
-              <a:cs typeface="Arial" panose="020B0604020202020204" pitchFamily="34" charset="0"/>
-            </a:endParaRPr>
-          </a:p>
-          <a:p>
-            <a:pPr algn="ctr">
-              <a:lnSpc>
-                <a:spcPct val="200000"/>
-              </a:lnSpc>
-            </a:pPr>
-            <a:endParaRPr lang="en-US" altLang="zh-CN" sz="2400" dirty="0">
-              <a:solidFill>
-                <a:prstClr val="black">
-                  <a:lumMod val="75000"/>
-                  <a:lumOff val="25000"/>
-                </a:prstClr>
-              </a:solidFill>
-              <a:latin typeface="方正黑体简体" panose="02010601030101010101" pitchFamily="2" charset="-122"/>
-              <a:ea typeface="方正黑体简体" panose="02010601030101010101" pitchFamily="2" charset="-122"/>
-              <a:cs typeface="+mn-ea"/>
-              <a:sym typeface="+mn-lt"/>
-            </a:endParaRPr>
-          </a:p>
-        </p:txBody>
-      </p:sp>
     </p:spTree>
     <p:extLst>
       <p:ext uri="{BB962C8B-B14F-4D97-AF65-F5344CB8AC3E}">
@@ -27616,95 +24320,6 @@
                             </p:childTnLst>
                           </p:cTn>
                         </p:par>
-                        <p:par>
-                          <p:cTn id="12" fill="hold">
-                            <p:stCondLst>
-                              <p:cond delay="1250"/>
-                            </p:stCondLst>
-                            <p:childTnLst>
-                              <p:par>
-                                <p:cTn id="13" presetID="14" presetClass="entr" presetSubtype="10" fill="hold" grpId="1" nodeType="afterEffect">
-                                  <p:stCondLst>
-                                    <p:cond delay="0"/>
-                                  </p:stCondLst>
-                                  <p:childTnLst>
-                                    <p:set>
-                                      <p:cBhvr>
-                                        <p:cTn id="14" dur="1" fill="hold">
-                                          <p:stCondLst>
-                                            <p:cond delay="0"/>
-                                          </p:stCondLst>
-                                        </p:cTn>
-                                        <p:tgtEl>
-                                          <p:spTgt spid="18"/>
-                                        </p:tgtEl>
-                                        <p:attrNameLst>
-                                          <p:attrName>style.visibility</p:attrName>
-                                        </p:attrNameLst>
-                                      </p:cBhvr>
-                                      <p:to>
-                                        <p:strVal val="visible"/>
-                                      </p:to>
-                                    </p:set>
-                                    <p:animEffect transition="in" filter="randombar(horizontal)">
-                                      <p:cBhvr>
-                                        <p:cTn id="15" dur="500"/>
-                                        <p:tgtEl>
-                                          <p:spTgt spid="18"/>
-                                        </p:tgtEl>
-                                      </p:cBhvr>
-                                    </p:animEffect>
-                                  </p:childTnLst>
-                                </p:cTn>
-                              </p:par>
-                            </p:childTnLst>
-                          </p:cTn>
-                        </p:par>
-                      </p:childTnLst>
-                    </p:cTn>
-                  </p:par>
-                  <p:par>
-                    <p:cTn id="16" fill="hold">
-                      <p:stCondLst>
-                        <p:cond delay="indefinite"/>
-                      </p:stCondLst>
-                      <p:childTnLst>
-                        <p:par>
-                          <p:cTn id="17" fill="hold">
-                            <p:stCondLst>
-                              <p:cond delay="0"/>
-                            </p:stCondLst>
-                            <p:childTnLst>
-                              <p:par>
-                                <p:cTn id="18" presetID="1" presetClass="entr" presetSubtype="0" fill="hold" nodeType="clickEffect">
-                                  <p:stCondLst>
-                                    <p:cond delay="0"/>
-                                  </p:stCondLst>
-                                  <p:childTnLst>
-                                    <p:set>
-                                      <p:cBhvr>
-                                        <p:cTn id="19" dur="1" fill="hold">
-                                          <p:stCondLst>
-                                            <p:cond delay="0"/>
-                                          </p:stCondLst>
-                                        </p:cTn>
-                                        <p:tgtEl>
-                                          <p:spTgt spid="3"/>
-                                        </p:tgtEl>
-                                        <p:attrNameLst>
-                                          <p:attrName>style.visibility</p:attrName>
-                                        </p:attrNameLst>
-                                      </p:cBhvr>
-                                      <p:to>
-                                        <p:strVal val="visible"/>
-                                      </p:to>
-                                    </p:set>
-                                  </p:childTnLst>
-                                </p:cTn>
-                              </p:par>
-                            </p:childTnLst>
-                          </p:cTn>
-                        </p:par>
                       </p:childTnLst>
                     </p:cTn>
                   </p:par>
@@ -27731,8 +24346,6 @@
     </p:tnLst>
     <p:bldLst>
       <p:bldP spid="7" grpId="0" animBg="1"/>
-      <p:bldP spid="18" grpId="0"/>
-      <p:bldP spid="18" grpId="1"/>
     </p:bldLst>
   </p:timing>
 </p:sld>
